--- a/Ethical Hacking.pptx
+++ b/Ethical Hacking.pptx
@@ -4,11 +4,17 @@
   <p:sldMasterIdLst>
     <p:sldMasterId id="2147483648" r:id="rId1"/>
   </p:sldMasterIdLst>
+  <p:notesMasterIdLst>
+    <p:notesMasterId r:id="rId9"/>
+  </p:notesMasterIdLst>
   <p:sldIdLst>
     <p:sldId id="256" r:id="rId2"/>
     <p:sldId id="257" r:id="rId3"/>
     <p:sldId id="258" r:id="rId4"/>
     <p:sldId id="259" r:id="rId5"/>
+    <p:sldId id="260" r:id="rId6"/>
+    <p:sldId id="261" r:id="rId7"/>
+    <p:sldId id="262" r:id="rId8"/>
   </p:sldIdLst>
   <p:sldSz cx="12192000" cy="6858000"/>
   <p:notesSz cx="6858000" cy="9144000"/>
@@ -107,7 +113,446 @@
       </a:defRPr>
     </a:lvl9pPr>
   </p:defaultTextStyle>
+  <p:extLst>
+    <p:ext uri="{EFAFB233-063F-42B5-8137-9DF3F51BA10A}">
+      <p15:sldGuideLst xmlns:p15="http://schemas.microsoft.com/office/powerpoint/2012/main"/>
+    </p:ext>
+  </p:extLst>
 </p:presentation>
+</file>
+
+<file path=ppt/notesMasters/notesMaster1.xml><?xml version="1.0" encoding="utf-8"?>
+<p:notesMaster xmlns:a="http://schemas.openxmlformats.org/drawingml/2006/main" xmlns:r="http://schemas.openxmlformats.org/officeDocument/2006/relationships" xmlns:p="http://schemas.openxmlformats.org/presentationml/2006/main">
+  <p:cSld>
+    <p:bg>
+      <p:bgRef idx="1001">
+        <a:schemeClr val="bg1"/>
+      </p:bgRef>
+    </p:bg>
+    <p:spTree>
+      <p:nvGrpSpPr>
+        <p:cNvPr id="1" name=""/>
+        <p:cNvGrpSpPr/>
+        <p:nvPr/>
+      </p:nvGrpSpPr>
+      <p:grpSpPr>
+        <a:xfrm>
+          <a:off x="0" y="0"/>
+          <a:ext cx="0" cy="0"/>
+          <a:chOff x="0" y="0"/>
+          <a:chExt cx="0" cy="0"/>
+        </a:xfrm>
+      </p:grpSpPr>
+      <p:sp>
+        <p:nvSpPr>
+          <p:cNvPr id="2" name="Header Placeholder 1"/>
+          <p:cNvSpPr>
+            <a:spLocks noGrp="1"/>
+          </p:cNvSpPr>
+          <p:nvPr>
+            <p:ph type="hdr" sz="quarter"/>
+          </p:nvPr>
+        </p:nvSpPr>
+        <p:spPr>
+          <a:xfrm>
+            <a:off x="0" y="0"/>
+            <a:ext cx="2971800" cy="458788"/>
+          </a:xfrm>
+          <a:prstGeom prst="rect">
+            <a:avLst/>
+          </a:prstGeom>
+        </p:spPr>
+        <p:txBody>
+          <a:bodyPr vert="horz" lIns="91440" tIns="45720" rIns="91440" bIns="45720" rtlCol="0"/>
+          <a:lstStyle>
+            <a:lvl1pPr algn="l">
+              <a:defRPr sz="1200"/>
+            </a:lvl1pPr>
+          </a:lstStyle>
+          <a:p>
+            <a:endParaRPr lang="en-CA"/>
+          </a:p>
+        </p:txBody>
+      </p:sp>
+      <p:sp>
+        <p:nvSpPr>
+          <p:cNvPr id="3" name="Date Placeholder 2"/>
+          <p:cNvSpPr>
+            <a:spLocks noGrp="1"/>
+          </p:cNvSpPr>
+          <p:nvPr>
+            <p:ph type="dt" idx="1"/>
+          </p:nvPr>
+        </p:nvSpPr>
+        <p:spPr>
+          <a:xfrm>
+            <a:off x="3884613" y="0"/>
+            <a:ext cx="2971800" cy="458788"/>
+          </a:xfrm>
+          <a:prstGeom prst="rect">
+            <a:avLst/>
+          </a:prstGeom>
+        </p:spPr>
+        <p:txBody>
+          <a:bodyPr vert="horz" lIns="91440" tIns="45720" rIns="91440" bIns="45720" rtlCol="0"/>
+          <a:lstStyle>
+            <a:lvl1pPr algn="r">
+              <a:defRPr sz="1200"/>
+            </a:lvl1pPr>
+          </a:lstStyle>
+          <a:p>
+            <a:fld id="{17CDB9FE-F167-45EA-9B3F-2D47803E3A61}" type="datetimeFigureOut">
+              <a:rPr lang="en-CA" smtClean="0"/>
+              <a:t>2019-10-10</a:t>
+            </a:fld>
+            <a:endParaRPr lang="en-CA"/>
+          </a:p>
+        </p:txBody>
+      </p:sp>
+      <p:sp>
+        <p:nvSpPr>
+          <p:cNvPr id="4" name="Slide Image Placeholder 3"/>
+          <p:cNvSpPr>
+            <a:spLocks noGrp="1" noRot="1" noChangeAspect="1"/>
+          </p:cNvSpPr>
+          <p:nvPr>
+            <p:ph type="sldImg" idx="2"/>
+          </p:nvPr>
+        </p:nvSpPr>
+        <p:spPr>
+          <a:xfrm>
+            <a:off x="685800" y="1143000"/>
+            <a:ext cx="5486400" cy="3086100"/>
+          </a:xfrm>
+          <a:prstGeom prst="rect">
+            <a:avLst/>
+          </a:prstGeom>
+          <a:noFill/>
+          <a:ln w="12700">
+            <a:solidFill>
+              <a:prstClr val="black"/>
+            </a:solidFill>
+          </a:ln>
+        </p:spPr>
+        <p:txBody>
+          <a:bodyPr vert="horz" lIns="91440" tIns="45720" rIns="91440" bIns="45720" rtlCol="0" anchor="ctr"/>
+          <a:lstStyle/>
+          <a:p>
+            <a:endParaRPr lang="en-CA"/>
+          </a:p>
+        </p:txBody>
+      </p:sp>
+      <p:sp>
+        <p:nvSpPr>
+          <p:cNvPr id="5" name="Notes Placeholder 4"/>
+          <p:cNvSpPr>
+            <a:spLocks noGrp="1"/>
+          </p:cNvSpPr>
+          <p:nvPr>
+            <p:ph type="body" sz="quarter" idx="3"/>
+          </p:nvPr>
+        </p:nvSpPr>
+        <p:spPr>
+          <a:xfrm>
+            <a:off x="685800" y="4400550"/>
+            <a:ext cx="5486400" cy="3600450"/>
+          </a:xfrm>
+          <a:prstGeom prst="rect">
+            <a:avLst/>
+          </a:prstGeom>
+        </p:spPr>
+        <p:txBody>
+          <a:bodyPr vert="horz" lIns="91440" tIns="45720" rIns="91440" bIns="45720" rtlCol="0"/>
+          <a:lstStyle/>
+          <a:p>
+            <a:pPr lvl="0"/>
+            <a:r>
+              <a:rPr lang="en-US" smtClean="0"/>
+              <a:t>Click to edit Master text styles</a:t>
+            </a:r>
+          </a:p>
+          <a:p>
+            <a:pPr lvl="1"/>
+            <a:r>
+              <a:rPr lang="en-US" smtClean="0"/>
+              <a:t>Second level</a:t>
+            </a:r>
+          </a:p>
+          <a:p>
+            <a:pPr lvl="2"/>
+            <a:r>
+              <a:rPr lang="en-US" smtClean="0"/>
+              <a:t>Third level</a:t>
+            </a:r>
+          </a:p>
+          <a:p>
+            <a:pPr lvl="3"/>
+            <a:r>
+              <a:rPr lang="en-US" smtClean="0"/>
+              <a:t>Fourth level</a:t>
+            </a:r>
+          </a:p>
+          <a:p>
+            <a:pPr lvl="4"/>
+            <a:r>
+              <a:rPr lang="en-US" smtClean="0"/>
+              <a:t>Fifth level</a:t>
+            </a:r>
+            <a:endParaRPr lang="en-CA"/>
+          </a:p>
+        </p:txBody>
+      </p:sp>
+      <p:sp>
+        <p:nvSpPr>
+          <p:cNvPr id="6" name="Footer Placeholder 5"/>
+          <p:cNvSpPr>
+            <a:spLocks noGrp="1"/>
+          </p:cNvSpPr>
+          <p:nvPr>
+            <p:ph type="ftr" sz="quarter" idx="4"/>
+          </p:nvPr>
+        </p:nvSpPr>
+        <p:spPr>
+          <a:xfrm>
+            <a:off x="0" y="8685213"/>
+            <a:ext cx="2971800" cy="458787"/>
+          </a:xfrm>
+          <a:prstGeom prst="rect">
+            <a:avLst/>
+          </a:prstGeom>
+        </p:spPr>
+        <p:txBody>
+          <a:bodyPr vert="horz" lIns="91440" tIns="45720" rIns="91440" bIns="45720" rtlCol="0" anchor="b"/>
+          <a:lstStyle>
+            <a:lvl1pPr algn="l">
+              <a:defRPr sz="1200"/>
+            </a:lvl1pPr>
+          </a:lstStyle>
+          <a:p>
+            <a:endParaRPr lang="en-CA"/>
+          </a:p>
+        </p:txBody>
+      </p:sp>
+      <p:sp>
+        <p:nvSpPr>
+          <p:cNvPr id="7" name="Slide Number Placeholder 6"/>
+          <p:cNvSpPr>
+            <a:spLocks noGrp="1"/>
+          </p:cNvSpPr>
+          <p:nvPr>
+            <p:ph type="sldNum" sz="quarter" idx="5"/>
+          </p:nvPr>
+        </p:nvSpPr>
+        <p:spPr>
+          <a:xfrm>
+            <a:off x="3884613" y="8685213"/>
+            <a:ext cx="2971800" cy="458787"/>
+          </a:xfrm>
+          <a:prstGeom prst="rect">
+            <a:avLst/>
+          </a:prstGeom>
+        </p:spPr>
+        <p:txBody>
+          <a:bodyPr vert="horz" lIns="91440" tIns="45720" rIns="91440" bIns="45720" rtlCol="0" anchor="b"/>
+          <a:lstStyle>
+            <a:lvl1pPr algn="r">
+              <a:defRPr sz="1200"/>
+            </a:lvl1pPr>
+          </a:lstStyle>
+          <a:p>
+            <a:fld id="{AFE9F961-B714-4922-B30B-718D9D663F8E}" type="slidenum">
+              <a:rPr lang="en-CA" smtClean="0"/>
+              <a:t>‹#›</a:t>
+            </a:fld>
+            <a:endParaRPr lang="en-CA"/>
+          </a:p>
+        </p:txBody>
+      </p:sp>
+    </p:spTree>
+    <p:extLst>
+      <p:ext uri="{BB962C8B-B14F-4D97-AF65-F5344CB8AC3E}">
+        <p14:creationId xmlns:p14="http://schemas.microsoft.com/office/powerpoint/2010/main" val="1650501089"/>
+      </p:ext>
+    </p:extLst>
+  </p:cSld>
+  <p:clrMap bg1="lt1" tx1="dk1" bg2="lt2" tx2="dk2" accent1="accent1" accent2="accent2" accent3="accent3" accent4="accent4" accent5="accent5" accent6="accent6" hlink="hlink" folHlink="folHlink"/>
+  <p:notesStyle>
+    <a:lvl1pPr marL="0" algn="l" defTabSz="914400" rtl="0" eaLnBrk="1" latinLnBrk="0" hangingPunct="1">
+      <a:defRPr sz="1200" kern="1200">
+        <a:solidFill>
+          <a:schemeClr val="tx1"/>
+        </a:solidFill>
+        <a:latin typeface="+mn-lt"/>
+        <a:ea typeface="+mn-ea"/>
+        <a:cs typeface="+mn-cs"/>
+      </a:defRPr>
+    </a:lvl1pPr>
+    <a:lvl2pPr marL="457200" algn="l" defTabSz="914400" rtl="0" eaLnBrk="1" latinLnBrk="0" hangingPunct="1">
+      <a:defRPr sz="1200" kern="1200">
+        <a:solidFill>
+          <a:schemeClr val="tx1"/>
+        </a:solidFill>
+        <a:latin typeface="+mn-lt"/>
+        <a:ea typeface="+mn-ea"/>
+        <a:cs typeface="+mn-cs"/>
+      </a:defRPr>
+    </a:lvl2pPr>
+    <a:lvl3pPr marL="914400" algn="l" defTabSz="914400" rtl="0" eaLnBrk="1" latinLnBrk="0" hangingPunct="1">
+      <a:defRPr sz="1200" kern="1200">
+        <a:solidFill>
+          <a:schemeClr val="tx1"/>
+        </a:solidFill>
+        <a:latin typeface="+mn-lt"/>
+        <a:ea typeface="+mn-ea"/>
+        <a:cs typeface="+mn-cs"/>
+      </a:defRPr>
+    </a:lvl3pPr>
+    <a:lvl4pPr marL="1371600" algn="l" defTabSz="914400" rtl="0" eaLnBrk="1" latinLnBrk="0" hangingPunct="1">
+      <a:defRPr sz="1200" kern="1200">
+        <a:solidFill>
+          <a:schemeClr val="tx1"/>
+        </a:solidFill>
+        <a:latin typeface="+mn-lt"/>
+        <a:ea typeface="+mn-ea"/>
+        <a:cs typeface="+mn-cs"/>
+      </a:defRPr>
+    </a:lvl4pPr>
+    <a:lvl5pPr marL="1828800" algn="l" defTabSz="914400" rtl="0" eaLnBrk="1" latinLnBrk="0" hangingPunct="1">
+      <a:defRPr sz="1200" kern="1200">
+        <a:solidFill>
+          <a:schemeClr val="tx1"/>
+        </a:solidFill>
+        <a:latin typeface="+mn-lt"/>
+        <a:ea typeface="+mn-ea"/>
+        <a:cs typeface="+mn-cs"/>
+      </a:defRPr>
+    </a:lvl5pPr>
+    <a:lvl6pPr marL="2286000" algn="l" defTabSz="914400" rtl="0" eaLnBrk="1" latinLnBrk="0" hangingPunct="1">
+      <a:defRPr sz="1200" kern="1200">
+        <a:solidFill>
+          <a:schemeClr val="tx1"/>
+        </a:solidFill>
+        <a:latin typeface="+mn-lt"/>
+        <a:ea typeface="+mn-ea"/>
+        <a:cs typeface="+mn-cs"/>
+      </a:defRPr>
+    </a:lvl6pPr>
+    <a:lvl7pPr marL="2743200" algn="l" defTabSz="914400" rtl="0" eaLnBrk="1" latinLnBrk="0" hangingPunct="1">
+      <a:defRPr sz="1200" kern="1200">
+        <a:solidFill>
+          <a:schemeClr val="tx1"/>
+        </a:solidFill>
+        <a:latin typeface="+mn-lt"/>
+        <a:ea typeface="+mn-ea"/>
+        <a:cs typeface="+mn-cs"/>
+      </a:defRPr>
+    </a:lvl7pPr>
+    <a:lvl8pPr marL="3200400" algn="l" defTabSz="914400" rtl="0" eaLnBrk="1" latinLnBrk="0" hangingPunct="1">
+      <a:defRPr sz="1200" kern="1200">
+        <a:solidFill>
+          <a:schemeClr val="tx1"/>
+        </a:solidFill>
+        <a:latin typeface="+mn-lt"/>
+        <a:ea typeface="+mn-ea"/>
+        <a:cs typeface="+mn-cs"/>
+      </a:defRPr>
+    </a:lvl8pPr>
+    <a:lvl9pPr marL="3657600" algn="l" defTabSz="914400" rtl="0" eaLnBrk="1" latinLnBrk="0" hangingPunct="1">
+      <a:defRPr sz="1200" kern="1200">
+        <a:solidFill>
+          <a:schemeClr val="tx1"/>
+        </a:solidFill>
+        <a:latin typeface="+mn-lt"/>
+        <a:ea typeface="+mn-ea"/>
+        <a:cs typeface="+mn-cs"/>
+      </a:defRPr>
+    </a:lvl9pPr>
+  </p:notesStyle>
+</p:notesMaster>
+</file>
+
+<file path=ppt/notesSlides/notesSlide1.xml><?xml version="1.0" encoding="utf-8"?>
+<p:notes xmlns:a="http://schemas.openxmlformats.org/drawingml/2006/main" xmlns:r="http://schemas.openxmlformats.org/officeDocument/2006/relationships" xmlns:p="http://schemas.openxmlformats.org/presentationml/2006/main">
+  <p:cSld>
+    <p:spTree>
+      <p:nvGrpSpPr>
+        <p:cNvPr id="1" name=""/>
+        <p:cNvGrpSpPr/>
+        <p:nvPr/>
+      </p:nvGrpSpPr>
+      <p:grpSpPr>
+        <a:xfrm>
+          <a:off x="0" y="0"/>
+          <a:ext cx="0" cy="0"/>
+          <a:chOff x="0" y="0"/>
+          <a:chExt cx="0" cy="0"/>
+        </a:xfrm>
+      </p:grpSpPr>
+      <p:sp>
+        <p:nvSpPr>
+          <p:cNvPr id="2" name="Slide Image Placeholder 1"/>
+          <p:cNvSpPr>
+            <a:spLocks noGrp="1" noRot="1" noChangeAspect="1"/>
+          </p:cNvSpPr>
+          <p:nvPr>
+            <p:ph type="sldImg"/>
+          </p:nvPr>
+        </p:nvSpPr>
+        <p:spPr/>
+      </p:sp>
+      <p:sp>
+        <p:nvSpPr>
+          <p:cNvPr id="3" name="Notes Placeholder 2"/>
+          <p:cNvSpPr>
+            <a:spLocks noGrp="1"/>
+          </p:cNvSpPr>
+          <p:nvPr>
+            <p:ph type="body" idx="1"/>
+          </p:nvPr>
+        </p:nvSpPr>
+        <p:spPr/>
+        <p:txBody>
+          <a:bodyPr/>
+          <a:lstStyle/>
+          <a:p>
+            <a:endParaRPr lang="en-CA"/>
+          </a:p>
+        </p:txBody>
+      </p:sp>
+      <p:sp>
+        <p:nvSpPr>
+          <p:cNvPr id="4" name="Slide Number Placeholder 3"/>
+          <p:cNvSpPr>
+            <a:spLocks noGrp="1"/>
+          </p:cNvSpPr>
+          <p:nvPr>
+            <p:ph type="sldNum" sz="quarter" idx="10"/>
+          </p:nvPr>
+        </p:nvSpPr>
+        <p:spPr/>
+        <p:txBody>
+          <a:bodyPr/>
+          <a:lstStyle/>
+          <a:p>
+            <a:fld id="{AFE9F961-B714-4922-B30B-718D9D663F8E}" type="slidenum">
+              <a:rPr lang="en-CA" smtClean="0"/>
+              <a:t>6</a:t>
+            </a:fld>
+            <a:endParaRPr lang="en-CA"/>
+          </a:p>
+        </p:txBody>
+      </p:sp>
+    </p:spTree>
+    <p:extLst>
+      <p:ext uri="{BB962C8B-B14F-4D97-AF65-F5344CB8AC3E}">
+        <p14:creationId xmlns:p14="http://schemas.microsoft.com/office/powerpoint/2010/main" val="3691823017"/>
+      </p:ext>
+    </p:extLst>
+  </p:cSld>
+  <p:clrMapOvr>
+    <a:masterClrMapping/>
+  </p:clrMapOvr>
+</p:notes>
 </file>
 
 <file path=ppt/slideLayouts/slideLayout1.xml><?xml version="1.0" encoding="utf-8"?>
@@ -302,7 +747,7 @@
             <a:fld id="{B61BEF0D-F0BB-DE4B-95CE-6DB70DBA9567}" type="datetimeFigureOut">
               <a:rPr lang="en-US" dirty="0"/>
               <a:pPr/>
-              <a:t>10/9/2019</a:t>
+              <a:t>10/10/2019</a:t>
             </a:fld>
             <a:endParaRPr lang="en-US" dirty="0"/>
           </a:p>
@@ -735,7 +1180,7 @@
             <a:fld id="{B61BEF0D-F0BB-DE4B-95CE-6DB70DBA9567}" type="datetimeFigureOut">
               <a:rPr lang="en-US" dirty="0"/>
               <a:pPr/>
-              <a:t>10/9/2019</a:t>
+              <a:t>10/10/2019</a:t>
             </a:fld>
             <a:endParaRPr lang="en-US" dirty="0"/>
           </a:p>
@@ -982,7 +1427,7 @@
             <a:fld id="{B61BEF0D-F0BB-DE4B-95CE-6DB70DBA9567}" type="datetimeFigureOut">
               <a:rPr lang="en-US" dirty="0"/>
               <a:pPr/>
-              <a:t>10/9/2019</a:t>
+              <a:t>10/10/2019</a:t>
             </a:fld>
             <a:endParaRPr lang="en-US" dirty="0"/>
           </a:p>
@@ -1287,7 +1732,7 @@
             <a:fld id="{B61BEF0D-F0BB-DE4B-95CE-6DB70DBA9567}" type="datetimeFigureOut">
               <a:rPr lang="en-US" dirty="0"/>
               <a:pPr/>
-              <a:t>10/9/2019</a:t>
+              <a:t>10/10/2019</a:t>
             </a:fld>
             <a:endParaRPr lang="en-US" dirty="0"/>
           </a:p>
@@ -1602,7 +2047,7 @@
             <a:fld id="{B61BEF0D-F0BB-DE4B-95CE-6DB70DBA9567}" type="datetimeFigureOut">
               <a:rPr lang="en-US" dirty="0"/>
               <a:pPr/>
-              <a:t>10/9/2019</a:t>
+              <a:t>10/10/2019</a:t>
             </a:fld>
             <a:endParaRPr lang="en-US" dirty="0"/>
           </a:p>
@@ -1901,7 +2346,7 @@
             <a:fld id="{B61BEF0D-F0BB-DE4B-95CE-6DB70DBA9567}" type="datetimeFigureOut">
               <a:rPr lang="en-US" dirty="0"/>
               <a:pPr/>
-              <a:t>10/9/2019</a:t>
+              <a:t>10/10/2019</a:t>
             </a:fld>
             <a:endParaRPr lang="en-US" dirty="0"/>
           </a:p>
@@ -2265,7 +2710,7 @@
             <a:fld id="{B61BEF0D-F0BB-DE4B-95CE-6DB70DBA9567}" type="datetimeFigureOut">
               <a:rPr lang="en-US" dirty="0"/>
               <a:pPr/>
-              <a:t>10/9/2019</a:t>
+              <a:t>10/10/2019</a:t>
             </a:fld>
             <a:endParaRPr lang="en-US" dirty="0"/>
           </a:p>
@@ -2436,7 +2881,7 @@
             <a:fld id="{B61BEF0D-F0BB-DE4B-95CE-6DB70DBA9567}" type="datetimeFigureOut">
               <a:rPr lang="en-US" dirty="0"/>
               <a:pPr/>
-              <a:t>10/9/2019</a:t>
+              <a:t>10/10/2019</a:t>
             </a:fld>
             <a:endParaRPr lang="en-US" dirty="0"/>
           </a:p>
@@ -2613,7 +3058,7 @@
             <a:fld id="{B61BEF0D-F0BB-DE4B-95CE-6DB70DBA9567}" type="datetimeFigureOut">
               <a:rPr lang="en-US" dirty="0"/>
               <a:pPr/>
-              <a:t>10/9/2019</a:t>
+              <a:t>10/10/2019</a:t>
             </a:fld>
             <a:endParaRPr lang="en-US" dirty="0"/>
           </a:p>
@@ -2780,7 +3225,7 @@
             <a:fld id="{B61BEF0D-F0BB-DE4B-95CE-6DB70DBA9567}" type="datetimeFigureOut">
               <a:rPr lang="en-US" dirty="0"/>
               <a:pPr/>
-              <a:t>10/9/2019</a:t>
+              <a:t>10/10/2019</a:t>
             </a:fld>
             <a:endParaRPr lang="en-US" dirty="0"/>
           </a:p>
@@ -3027,7 +3472,7 @@
             <a:fld id="{B61BEF0D-F0BB-DE4B-95CE-6DB70DBA9567}" type="datetimeFigureOut">
               <a:rPr lang="en-US" dirty="0"/>
               <a:pPr/>
-              <a:t>10/9/2019</a:t>
+              <a:t>10/10/2019</a:t>
             </a:fld>
             <a:endParaRPr lang="en-US" dirty="0"/>
           </a:p>
@@ -3260,7 +3705,7 @@
             <a:fld id="{B61BEF0D-F0BB-DE4B-95CE-6DB70DBA9567}" type="datetimeFigureOut">
               <a:rPr lang="en-US" dirty="0"/>
               <a:pPr/>
-              <a:t>10/9/2019</a:t>
+              <a:t>10/10/2019</a:t>
             </a:fld>
             <a:endParaRPr lang="en-US" dirty="0"/>
           </a:p>
@@ -3639,7 +4084,7 @@
             <a:fld id="{B61BEF0D-F0BB-DE4B-95CE-6DB70DBA9567}" type="datetimeFigureOut">
               <a:rPr lang="en-US" dirty="0"/>
               <a:pPr/>
-              <a:t>10/9/2019</a:t>
+              <a:t>10/10/2019</a:t>
             </a:fld>
             <a:endParaRPr lang="en-US" dirty="0"/>
           </a:p>
@@ -3754,7 +4199,7 @@
             <a:fld id="{B61BEF0D-F0BB-DE4B-95CE-6DB70DBA9567}" type="datetimeFigureOut">
               <a:rPr lang="en-US" dirty="0"/>
               <a:pPr/>
-              <a:t>10/9/2019</a:t>
+              <a:t>10/10/2019</a:t>
             </a:fld>
             <a:endParaRPr lang="en-US" dirty="0"/>
           </a:p>
@@ -3846,7 +4291,7 @@
             <a:fld id="{B61BEF0D-F0BB-DE4B-95CE-6DB70DBA9567}" type="datetimeFigureOut">
               <a:rPr lang="en-US" dirty="0"/>
               <a:pPr/>
-              <a:t>10/9/2019</a:t>
+              <a:t>10/10/2019</a:t>
             </a:fld>
             <a:endParaRPr lang="en-US" dirty="0"/>
           </a:p>
@@ -4098,7 +4543,7 @@
             <a:fld id="{B61BEF0D-F0BB-DE4B-95CE-6DB70DBA9567}" type="datetimeFigureOut">
               <a:rPr lang="en-US" dirty="0"/>
               <a:pPr/>
-              <a:t>10/9/2019</a:t>
+              <a:t>10/10/2019</a:t>
             </a:fld>
             <a:endParaRPr lang="en-US" dirty="0"/>
           </a:p>
@@ -4378,7 +4823,7 @@
             <a:fld id="{B61BEF0D-F0BB-DE4B-95CE-6DB70DBA9567}" type="datetimeFigureOut">
               <a:rPr lang="en-US" dirty="0"/>
               <a:pPr/>
-              <a:t>10/9/2019</a:t>
+              <a:t>10/10/2019</a:t>
             </a:fld>
             <a:endParaRPr lang="en-US" dirty="0"/>
           </a:p>
@@ -4781,7 +5226,7 @@
             <a:fld id="{B61BEF0D-F0BB-DE4B-95CE-6DB70DBA9567}" type="datetimeFigureOut">
               <a:rPr lang="en-US" dirty="0"/>
               <a:pPr/>
-              <a:t>10/9/2019</a:t>
+              <a:t>10/10/2019</a:t>
             </a:fld>
             <a:endParaRPr lang="en-US" dirty="0"/>
           </a:p>
@@ -5388,6 +5833,196 @@
   <p:clrMapOvr>
     <a:masterClrMapping/>
   </p:clrMapOvr>
+  <p:timing>
+    <p:tnLst>
+      <p:par>
+        <p:cTn id="1" dur="indefinite" restart="never" nodeType="tmRoot">
+          <p:childTnLst>
+            <p:seq concurrent="1" nextAc="seek">
+              <p:cTn id="2" dur="indefinite" nodeType="mainSeq">
+                <p:childTnLst>
+                  <p:par>
+                    <p:cTn id="3" fill="hold">
+                      <p:stCondLst>
+                        <p:cond delay="indefinite"/>
+                      </p:stCondLst>
+                      <p:childTnLst>
+                        <p:par>
+                          <p:cTn id="4" fill="hold">
+                            <p:stCondLst>
+                              <p:cond delay="0"/>
+                            </p:stCondLst>
+                            <p:childTnLst>
+                              <p:par>
+                                <p:cTn id="5" presetID="16" presetClass="entr" presetSubtype="21" fill="hold" grpId="0" nodeType="clickEffect">
+                                  <p:stCondLst>
+                                    <p:cond delay="0"/>
+                                  </p:stCondLst>
+                                  <p:childTnLst>
+                                    <p:set>
+                                      <p:cBhvr>
+                                        <p:cTn id="6" dur="1" fill="hold">
+                                          <p:stCondLst>
+                                            <p:cond delay="0"/>
+                                          </p:stCondLst>
+                                        </p:cTn>
+                                        <p:tgtEl>
+                                          <p:spTgt spid="2"/>
+                                        </p:tgtEl>
+                                        <p:attrNameLst>
+                                          <p:attrName>style.visibility</p:attrName>
+                                        </p:attrNameLst>
+                                      </p:cBhvr>
+                                      <p:to>
+                                        <p:strVal val="visible"/>
+                                      </p:to>
+                                    </p:set>
+                                    <p:animEffect transition="in" filter="barn(inVertical)">
+                                      <p:cBhvr>
+                                        <p:cTn id="7" dur="500"/>
+                                        <p:tgtEl>
+                                          <p:spTgt spid="2"/>
+                                        </p:tgtEl>
+                                      </p:cBhvr>
+                                    </p:animEffect>
+                                  </p:childTnLst>
+                                </p:cTn>
+                              </p:par>
+                            </p:childTnLst>
+                          </p:cTn>
+                        </p:par>
+                      </p:childTnLst>
+                    </p:cTn>
+                  </p:par>
+                  <p:par>
+                    <p:cTn id="8" fill="hold">
+                      <p:stCondLst>
+                        <p:cond delay="indefinite"/>
+                      </p:stCondLst>
+                      <p:childTnLst>
+                        <p:par>
+                          <p:cTn id="9" fill="hold">
+                            <p:stCondLst>
+                              <p:cond delay="0"/>
+                            </p:stCondLst>
+                            <p:childTnLst>
+                              <p:par>
+                                <p:cTn id="10" presetID="2" presetClass="entr" presetSubtype="4" fill="hold" grpId="0" nodeType="clickEffect">
+                                  <p:stCondLst>
+                                    <p:cond delay="0"/>
+                                  </p:stCondLst>
+                                  <p:childTnLst>
+                                    <p:set>
+                                      <p:cBhvr>
+                                        <p:cTn id="11" dur="1" fill="hold">
+                                          <p:stCondLst>
+                                            <p:cond delay="0"/>
+                                          </p:stCondLst>
+                                        </p:cTn>
+                                        <p:tgtEl>
+                                          <p:spTgt spid="3">
+                                            <p:txEl>
+                                              <p:pRg st="0" end="0"/>
+                                            </p:txEl>
+                                          </p:spTgt>
+                                        </p:tgtEl>
+                                        <p:attrNameLst>
+                                          <p:attrName>style.visibility</p:attrName>
+                                        </p:attrNameLst>
+                                      </p:cBhvr>
+                                      <p:to>
+                                        <p:strVal val="visible"/>
+                                      </p:to>
+                                    </p:set>
+                                    <p:anim calcmode="lin" valueType="num">
+                                      <p:cBhvr additive="base">
+                                        <p:cTn id="12" dur="500" fill="hold"/>
+                                        <p:tgtEl>
+                                          <p:spTgt spid="3">
+                                            <p:txEl>
+                                              <p:pRg st="0" end="0"/>
+                                            </p:txEl>
+                                          </p:spTgt>
+                                        </p:tgtEl>
+                                        <p:attrNameLst>
+                                          <p:attrName>ppt_x</p:attrName>
+                                        </p:attrNameLst>
+                                      </p:cBhvr>
+                                      <p:tavLst>
+                                        <p:tav tm="0">
+                                          <p:val>
+                                            <p:strVal val="#ppt_x"/>
+                                          </p:val>
+                                        </p:tav>
+                                        <p:tav tm="100000">
+                                          <p:val>
+                                            <p:strVal val="#ppt_x"/>
+                                          </p:val>
+                                        </p:tav>
+                                      </p:tavLst>
+                                    </p:anim>
+                                    <p:anim calcmode="lin" valueType="num">
+                                      <p:cBhvr additive="base">
+                                        <p:cTn id="13" dur="500" fill="hold"/>
+                                        <p:tgtEl>
+                                          <p:spTgt spid="3">
+                                            <p:txEl>
+                                              <p:pRg st="0" end="0"/>
+                                            </p:txEl>
+                                          </p:spTgt>
+                                        </p:tgtEl>
+                                        <p:attrNameLst>
+                                          <p:attrName>ppt_y</p:attrName>
+                                        </p:attrNameLst>
+                                      </p:cBhvr>
+                                      <p:tavLst>
+                                        <p:tav tm="0">
+                                          <p:val>
+                                            <p:strVal val="1+#ppt_h/2"/>
+                                          </p:val>
+                                        </p:tav>
+                                        <p:tav tm="100000">
+                                          <p:val>
+                                            <p:strVal val="#ppt_y"/>
+                                          </p:val>
+                                        </p:tav>
+                                      </p:tavLst>
+                                    </p:anim>
+                                  </p:childTnLst>
+                                </p:cTn>
+                              </p:par>
+                            </p:childTnLst>
+                          </p:cTn>
+                        </p:par>
+                      </p:childTnLst>
+                    </p:cTn>
+                  </p:par>
+                </p:childTnLst>
+              </p:cTn>
+              <p:prevCondLst>
+                <p:cond evt="onPrev" delay="0">
+                  <p:tgtEl>
+                    <p:sldTgt/>
+                  </p:tgtEl>
+                </p:cond>
+              </p:prevCondLst>
+              <p:nextCondLst>
+                <p:cond evt="onNext" delay="0">
+                  <p:tgtEl>
+                    <p:sldTgt/>
+                  </p:tgtEl>
+                </p:cond>
+              </p:nextCondLst>
+            </p:seq>
+          </p:childTnLst>
+        </p:cTn>
+      </p:par>
+    </p:tnLst>
+    <p:bldLst>
+      <p:bldP spid="2" grpId="0"/>
+      <p:bldP spid="3" grpId="0" build="p"/>
+    </p:bldLst>
+  </p:timing>
 </p:sld>
 </file>
 
@@ -5623,6 +6258,668 @@
   <p:clrMapOvr>
     <a:masterClrMapping/>
   </p:clrMapOvr>
+  <p:timing>
+    <p:tnLst>
+      <p:par>
+        <p:cTn id="1" dur="indefinite" restart="never" nodeType="tmRoot">
+          <p:childTnLst>
+            <p:seq concurrent="1" nextAc="seek">
+              <p:cTn id="2" dur="indefinite" nodeType="mainSeq">
+                <p:childTnLst>
+                  <p:par>
+                    <p:cTn id="3" fill="hold">
+                      <p:stCondLst>
+                        <p:cond delay="indefinite"/>
+                      </p:stCondLst>
+                      <p:childTnLst>
+                        <p:par>
+                          <p:cTn id="4" fill="hold">
+                            <p:stCondLst>
+                              <p:cond delay="0"/>
+                            </p:stCondLst>
+                            <p:childTnLst>
+                              <p:par>
+                                <p:cTn id="5" presetID="21" presetClass="entr" presetSubtype="1" fill="hold" grpId="0" nodeType="clickEffect">
+                                  <p:stCondLst>
+                                    <p:cond delay="0"/>
+                                  </p:stCondLst>
+                                  <p:childTnLst>
+                                    <p:set>
+                                      <p:cBhvr>
+                                        <p:cTn id="6" dur="1" fill="hold">
+                                          <p:stCondLst>
+                                            <p:cond delay="0"/>
+                                          </p:stCondLst>
+                                        </p:cTn>
+                                        <p:tgtEl>
+                                          <p:spTgt spid="2"/>
+                                        </p:tgtEl>
+                                        <p:attrNameLst>
+                                          <p:attrName>style.visibility</p:attrName>
+                                        </p:attrNameLst>
+                                      </p:cBhvr>
+                                      <p:to>
+                                        <p:strVal val="visible"/>
+                                      </p:to>
+                                    </p:set>
+                                    <p:animEffect transition="in" filter="wheel(1)">
+                                      <p:cBhvr>
+                                        <p:cTn id="7" dur="2000"/>
+                                        <p:tgtEl>
+                                          <p:spTgt spid="2"/>
+                                        </p:tgtEl>
+                                      </p:cBhvr>
+                                    </p:animEffect>
+                                  </p:childTnLst>
+                                </p:cTn>
+                              </p:par>
+                            </p:childTnLst>
+                          </p:cTn>
+                        </p:par>
+                      </p:childTnLst>
+                    </p:cTn>
+                  </p:par>
+                  <p:par>
+                    <p:cTn id="8" fill="hold">
+                      <p:stCondLst>
+                        <p:cond delay="indefinite"/>
+                      </p:stCondLst>
+                      <p:childTnLst>
+                        <p:par>
+                          <p:cTn id="9" fill="hold">
+                            <p:stCondLst>
+                              <p:cond delay="0"/>
+                            </p:stCondLst>
+                            <p:childTnLst>
+                              <p:par>
+                                <p:cTn id="10" presetID="42" presetClass="entr" presetSubtype="0" fill="hold" grpId="0" nodeType="clickEffect">
+                                  <p:stCondLst>
+                                    <p:cond delay="0"/>
+                                  </p:stCondLst>
+                                  <p:childTnLst>
+                                    <p:set>
+                                      <p:cBhvr>
+                                        <p:cTn id="11" dur="1" fill="hold">
+                                          <p:stCondLst>
+                                            <p:cond delay="0"/>
+                                          </p:stCondLst>
+                                        </p:cTn>
+                                        <p:tgtEl>
+                                          <p:spTgt spid="3">
+                                            <p:txEl>
+                                              <p:pRg st="0" end="0"/>
+                                            </p:txEl>
+                                          </p:spTgt>
+                                        </p:tgtEl>
+                                        <p:attrNameLst>
+                                          <p:attrName>style.visibility</p:attrName>
+                                        </p:attrNameLst>
+                                      </p:cBhvr>
+                                      <p:to>
+                                        <p:strVal val="visible"/>
+                                      </p:to>
+                                    </p:set>
+                                    <p:animEffect transition="in" filter="fade">
+                                      <p:cBhvr>
+                                        <p:cTn id="12" dur="1000"/>
+                                        <p:tgtEl>
+                                          <p:spTgt spid="3">
+                                            <p:txEl>
+                                              <p:pRg st="0" end="0"/>
+                                            </p:txEl>
+                                          </p:spTgt>
+                                        </p:tgtEl>
+                                      </p:cBhvr>
+                                    </p:animEffect>
+                                    <p:anim calcmode="lin" valueType="num">
+                                      <p:cBhvr>
+                                        <p:cTn id="13" dur="1000" fill="hold"/>
+                                        <p:tgtEl>
+                                          <p:spTgt spid="3">
+                                            <p:txEl>
+                                              <p:pRg st="0" end="0"/>
+                                            </p:txEl>
+                                          </p:spTgt>
+                                        </p:tgtEl>
+                                        <p:attrNameLst>
+                                          <p:attrName>ppt_x</p:attrName>
+                                        </p:attrNameLst>
+                                      </p:cBhvr>
+                                      <p:tavLst>
+                                        <p:tav tm="0">
+                                          <p:val>
+                                            <p:strVal val="#ppt_x"/>
+                                          </p:val>
+                                        </p:tav>
+                                        <p:tav tm="100000">
+                                          <p:val>
+                                            <p:strVal val="#ppt_x"/>
+                                          </p:val>
+                                        </p:tav>
+                                      </p:tavLst>
+                                    </p:anim>
+                                    <p:anim calcmode="lin" valueType="num">
+                                      <p:cBhvr>
+                                        <p:cTn id="14" dur="1000" fill="hold"/>
+                                        <p:tgtEl>
+                                          <p:spTgt spid="3">
+                                            <p:txEl>
+                                              <p:pRg st="0" end="0"/>
+                                            </p:txEl>
+                                          </p:spTgt>
+                                        </p:tgtEl>
+                                        <p:attrNameLst>
+                                          <p:attrName>ppt_y</p:attrName>
+                                        </p:attrNameLst>
+                                      </p:cBhvr>
+                                      <p:tavLst>
+                                        <p:tav tm="0">
+                                          <p:val>
+                                            <p:strVal val="#ppt_y+.1"/>
+                                          </p:val>
+                                        </p:tav>
+                                        <p:tav tm="100000">
+                                          <p:val>
+                                            <p:strVal val="#ppt_y"/>
+                                          </p:val>
+                                        </p:tav>
+                                      </p:tavLst>
+                                    </p:anim>
+                                  </p:childTnLst>
+                                </p:cTn>
+                              </p:par>
+                            </p:childTnLst>
+                          </p:cTn>
+                        </p:par>
+                      </p:childTnLst>
+                    </p:cTn>
+                  </p:par>
+                  <p:par>
+                    <p:cTn id="15" fill="hold">
+                      <p:stCondLst>
+                        <p:cond delay="indefinite"/>
+                      </p:stCondLst>
+                      <p:childTnLst>
+                        <p:par>
+                          <p:cTn id="16" fill="hold">
+                            <p:stCondLst>
+                              <p:cond delay="0"/>
+                            </p:stCondLst>
+                            <p:childTnLst>
+                              <p:par>
+                                <p:cTn id="17" presetID="42" presetClass="entr" presetSubtype="0" fill="hold" grpId="0" nodeType="clickEffect">
+                                  <p:stCondLst>
+                                    <p:cond delay="0"/>
+                                  </p:stCondLst>
+                                  <p:childTnLst>
+                                    <p:set>
+                                      <p:cBhvr>
+                                        <p:cTn id="18" dur="1" fill="hold">
+                                          <p:stCondLst>
+                                            <p:cond delay="0"/>
+                                          </p:stCondLst>
+                                        </p:cTn>
+                                        <p:tgtEl>
+                                          <p:spTgt spid="3">
+                                            <p:txEl>
+                                              <p:pRg st="1" end="1"/>
+                                            </p:txEl>
+                                          </p:spTgt>
+                                        </p:tgtEl>
+                                        <p:attrNameLst>
+                                          <p:attrName>style.visibility</p:attrName>
+                                        </p:attrNameLst>
+                                      </p:cBhvr>
+                                      <p:to>
+                                        <p:strVal val="visible"/>
+                                      </p:to>
+                                    </p:set>
+                                    <p:animEffect transition="in" filter="fade">
+                                      <p:cBhvr>
+                                        <p:cTn id="19" dur="1000"/>
+                                        <p:tgtEl>
+                                          <p:spTgt spid="3">
+                                            <p:txEl>
+                                              <p:pRg st="1" end="1"/>
+                                            </p:txEl>
+                                          </p:spTgt>
+                                        </p:tgtEl>
+                                      </p:cBhvr>
+                                    </p:animEffect>
+                                    <p:anim calcmode="lin" valueType="num">
+                                      <p:cBhvr>
+                                        <p:cTn id="20" dur="1000" fill="hold"/>
+                                        <p:tgtEl>
+                                          <p:spTgt spid="3">
+                                            <p:txEl>
+                                              <p:pRg st="1" end="1"/>
+                                            </p:txEl>
+                                          </p:spTgt>
+                                        </p:tgtEl>
+                                        <p:attrNameLst>
+                                          <p:attrName>ppt_x</p:attrName>
+                                        </p:attrNameLst>
+                                      </p:cBhvr>
+                                      <p:tavLst>
+                                        <p:tav tm="0">
+                                          <p:val>
+                                            <p:strVal val="#ppt_x"/>
+                                          </p:val>
+                                        </p:tav>
+                                        <p:tav tm="100000">
+                                          <p:val>
+                                            <p:strVal val="#ppt_x"/>
+                                          </p:val>
+                                        </p:tav>
+                                      </p:tavLst>
+                                    </p:anim>
+                                    <p:anim calcmode="lin" valueType="num">
+                                      <p:cBhvr>
+                                        <p:cTn id="21" dur="1000" fill="hold"/>
+                                        <p:tgtEl>
+                                          <p:spTgt spid="3">
+                                            <p:txEl>
+                                              <p:pRg st="1" end="1"/>
+                                            </p:txEl>
+                                          </p:spTgt>
+                                        </p:tgtEl>
+                                        <p:attrNameLst>
+                                          <p:attrName>ppt_y</p:attrName>
+                                        </p:attrNameLst>
+                                      </p:cBhvr>
+                                      <p:tavLst>
+                                        <p:tav tm="0">
+                                          <p:val>
+                                            <p:strVal val="#ppt_y+.1"/>
+                                          </p:val>
+                                        </p:tav>
+                                        <p:tav tm="100000">
+                                          <p:val>
+                                            <p:strVal val="#ppt_y"/>
+                                          </p:val>
+                                        </p:tav>
+                                      </p:tavLst>
+                                    </p:anim>
+                                  </p:childTnLst>
+                                </p:cTn>
+                              </p:par>
+                            </p:childTnLst>
+                          </p:cTn>
+                        </p:par>
+                      </p:childTnLst>
+                    </p:cTn>
+                  </p:par>
+                  <p:par>
+                    <p:cTn id="22" fill="hold">
+                      <p:stCondLst>
+                        <p:cond delay="indefinite"/>
+                      </p:stCondLst>
+                      <p:childTnLst>
+                        <p:par>
+                          <p:cTn id="23" fill="hold">
+                            <p:stCondLst>
+                              <p:cond delay="0"/>
+                            </p:stCondLst>
+                            <p:childTnLst>
+                              <p:par>
+                                <p:cTn id="24" presetID="42" presetClass="entr" presetSubtype="0" fill="hold" grpId="0" nodeType="clickEffect">
+                                  <p:stCondLst>
+                                    <p:cond delay="0"/>
+                                  </p:stCondLst>
+                                  <p:childTnLst>
+                                    <p:set>
+                                      <p:cBhvr>
+                                        <p:cTn id="25" dur="1" fill="hold">
+                                          <p:stCondLst>
+                                            <p:cond delay="0"/>
+                                          </p:stCondLst>
+                                        </p:cTn>
+                                        <p:tgtEl>
+                                          <p:spTgt spid="3">
+                                            <p:txEl>
+                                              <p:pRg st="2" end="2"/>
+                                            </p:txEl>
+                                          </p:spTgt>
+                                        </p:tgtEl>
+                                        <p:attrNameLst>
+                                          <p:attrName>style.visibility</p:attrName>
+                                        </p:attrNameLst>
+                                      </p:cBhvr>
+                                      <p:to>
+                                        <p:strVal val="visible"/>
+                                      </p:to>
+                                    </p:set>
+                                    <p:animEffect transition="in" filter="fade">
+                                      <p:cBhvr>
+                                        <p:cTn id="26" dur="1000"/>
+                                        <p:tgtEl>
+                                          <p:spTgt spid="3">
+                                            <p:txEl>
+                                              <p:pRg st="2" end="2"/>
+                                            </p:txEl>
+                                          </p:spTgt>
+                                        </p:tgtEl>
+                                      </p:cBhvr>
+                                    </p:animEffect>
+                                    <p:anim calcmode="lin" valueType="num">
+                                      <p:cBhvr>
+                                        <p:cTn id="27" dur="1000" fill="hold"/>
+                                        <p:tgtEl>
+                                          <p:spTgt spid="3">
+                                            <p:txEl>
+                                              <p:pRg st="2" end="2"/>
+                                            </p:txEl>
+                                          </p:spTgt>
+                                        </p:tgtEl>
+                                        <p:attrNameLst>
+                                          <p:attrName>ppt_x</p:attrName>
+                                        </p:attrNameLst>
+                                      </p:cBhvr>
+                                      <p:tavLst>
+                                        <p:tav tm="0">
+                                          <p:val>
+                                            <p:strVal val="#ppt_x"/>
+                                          </p:val>
+                                        </p:tav>
+                                        <p:tav tm="100000">
+                                          <p:val>
+                                            <p:strVal val="#ppt_x"/>
+                                          </p:val>
+                                        </p:tav>
+                                      </p:tavLst>
+                                    </p:anim>
+                                    <p:anim calcmode="lin" valueType="num">
+                                      <p:cBhvr>
+                                        <p:cTn id="28" dur="1000" fill="hold"/>
+                                        <p:tgtEl>
+                                          <p:spTgt spid="3">
+                                            <p:txEl>
+                                              <p:pRg st="2" end="2"/>
+                                            </p:txEl>
+                                          </p:spTgt>
+                                        </p:tgtEl>
+                                        <p:attrNameLst>
+                                          <p:attrName>ppt_y</p:attrName>
+                                        </p:attrNameLst>
+                                      </p:cBhvr>
+                                      <p:tavLst>
+                                        <p:tav tm="0">
+                                          <p:val>
+                                            <p:strVal val="#ppt_y+.1"/>
+                                          </p:val>
+                                        </p:tav>
+                                        <p:tav tm="100000">
+                                          <p:val>
+                                            <p:strVal val="#ppt_y"/>
+                                          </p:val>
+                                        </p:tav>
+                                      </p:tavLst>
+                                    </p:anim>
+                                  </p:childTnLst>
+                                </p:cTn>
+                              </p:par>
+                            </p:childTnLst>
+                          </p:cTn>
+                        </p:par>
+                      </p:childTnLst>
+                    </p:cTn>
+                  </p:par>
+                  <p:par>
+                    <p:cTn id="29" fill="hold">
+                      <p:stCondLst>
+                        <p:cond delay="indefinite"/>
+                      </p:stCondLst>
+                      <p:childTnLst>
+                        <p:par>
+                          <p:cTn id="30" fill="hold">
+                            <p:stCondLst>
+                              <p:cond delay="0"/>
+                            </p:stCondLst>
+                            <p:childTnLst>
+                              <p:par>
+                                <p:cTn id="31" presetID="42" presetClass="entr" presetSubtype="0" fill="hold" grpId="0" nodeType="clickEffect">
+                                  <p:stCondLst>
+                                    <p:cond delay="0"/>
+                                  </p:stCondLst>
+                                  <p:childTnLst>
+                                    <p:set>
+                                      <p:cBhvr>
+                                        <p:cTn id="32" dur="1" fill="hold">
+                                          <p:stCondLst>
+                                            <p:cond delay="0"/>
+                                          </p:stCondLst>
+                                        </p:cTn>
+                                        <p:tgtEl>
+                                          <p:spTgt spid="3">
+                                            <p:txEl>
+                                              <p:pRg st="3" end="3"/>
+                                            </p:txEl>
+                                          </p:spTgt>
+                                        </p:tgtEl>
+                                        <p:attrNameLst>
+                                          <p:attrName>style.visibility</p:attrName>
+                                        </p:attrNameLst>
+                                      </p:cBhvr>
+                                      <p:to>
+                                        <p:strVal val="visible"/>
+                                      </p:to>
+                                    </p:set>
+                                    <p:animEffect transition="in" filter="fade">
+                                      <p:cBhvr>
+                                        <p:cTn id="33" dur="1000"/>
+                                        <p:tgtEl>
+                                          <p:spTgt spid="3">
+                                            <p:txEl>
+                                              <p:pRg st="3" end="3"/>
+                                            </p:txEl>
+                                          </p:spTgt>
+                                        </p:tgtEl>
+                                      </p:cBhvr>
+                                    </p:animEffect>
+                                    <p:anim calcmode="lin" valueType="num">
+                                      <p:cBhvr>
+                                        <p:cTn id="34" dur="1000" fill="hold"/>
+                                        <p:tgtEl>
+                                          <p:spTgt spid="3">
+                                            <p:txEl>
+                                              <p:pRg st="3" end="3"/>
+                                            </p:txEl>
+                                          </p:spTgt>
+                                        </p:tgtEl>
+                                        <p:attrNameLst>
+                                          <p:attrName>ppt_x</p:attrName>
+                                        </p:attrNameLst>
+                                      </p:cBhvr>
+                                      <p:tavLst>
+                                        <p:tav tm="0">
+                                          <p:val>
+                                            <p:strVal val="#ppt_x"/>
+                                          </p:val>
+                                        </p:tav>
+                                        <p:tav tm="100000">
+                                          <p:val>
+                                            <p:strVal val="#ppt_x"/>
+                                          </p:val>
+                                        </p:tav>
+                                      </p:tavLst>
+                                    </p:anim>
+                                    <p:anim calcmode="lin" valueType="num">
+                                      <p:cBhvr>
+                                        <p:cTn id="35" dur="1000" fill="hold"/>
+                                        <p:tgtEl>
+                                          <p:spTgt spid="3">
+                                            <p:txEl>
+                                              <p:pRg st="3" end="3"/>
+                                            </p:txEl>
+                                          </p:spTgt>
+                                        </p:tgtEl>
+                                        <p:attrNameLst>
+                                          <p:attrName>ppt_y</p:attrName>
+                                        </p:attrNameLst>
+                                      </p:cBhvr>
+                                      <p:tavLst>
+                                        <p:tav tm="0">
+                                          <p:val>
+                                            <p:strVal val="#ppt_y+.1"/>
+                                          </p:val>
+                                        </p:tav>
+                                        <p:tav tm="100000">
+                                          <p:val>
+                                            <p:strVal val="#ppt_y"/>
+                                          </p:val>
+                                        </p:tav>
+                                      </p:tavLst>
+                                    </p:anim>
+                                  </p:childTnLst>
+                                </p:cTn>
+                              </p:par>
+                            </p:childTnLst>
+                          </p:cTn>
+                        </p:par>
+                      </p:childTnLst>
+                    </p:cTn>
+                  </p:par>
+                  <p:par>
+                    <p:cTn id="36" fill="hold">
+                      <p:stCondLst>
+                        <p:cond delay="indefinite"/>
+                      </p:stCondLst>
+                      <p:childTnLst>
+                        <p:par>
+                          <p:cTn id="37" fill="hold">
+                            <p:stCondLst>
+                              <p:cond delay="0"/>
+                            </p:stCondLst>
+                            <p:childTnLst>
+                              <p:par>
+                                <p:cTn id="38" presetID="42" presetClass="entr" presetSubtype="0" fill="hold" grpId="0" nodeType="clickEffect">
+                                  <p:stCondLst>
+                                    <p:cond delay="0"/>
+                                  </p:stCondLst>
+                                  <p:childTnLst>
+                                    <p:set>
+                                      <p:cBhvr>
+                                        <p:cTn id="39" dur="1" fill="hold">
+                                          <p:stCondLst>
+                                            <p:cond delay="0"/>
+                                          </p:stCondLst>
+                                        </p:cTn>
+                                        <p:tgtEl>
+                                          <p:spTgt spid="3">
+                                            <p:txEl>
+                                              <p:pRg st="4" end="4"/>
+                                            </p:txEl>
+                                          </p:spTgt>
+                                        </p:tgtEl>
+                                        <p:attrNameLst>
+                                          <p:attrName>style.visibility</p:attrName>
+                                        </p:attrNameLst>
+                                      </p:cBhvr>
+                                      <p:to>
+                                        <p:strVal val="visible"/>
+                                      </p:to>
+                                    </p:set>
+                                    <p:animEffect transition="in" filter="fade">
+                                      <p:cBhvr>
+                                        <p:cTn id="40" dur="1000"/>
+                                        <p:tgtEl>
+                                          <p:spTgt spid="3">
+                                            <p:txEl>
+                                              <p:pRg st="4" end="4"/>
+                                            </p:txEl>
+                                          </p:spTgt>
+                                        </p:tgtEl>
+                                      </p:cBhvr>
+                                    </p:animEffect>
+                                    <p:anim calcmode="lin" valueType="num">
+                                      <p:cBhvr>
+                                        <p:cTn id="41" dur="1000" fill="hold"/>
+                                        <p:tgtEl>
+                                          <p:spTgt spid="3">
+                                            <p:txEl>
+                                              <p:pRg st="4" end="4"/>
+                                            </p:txEl>
+                                          </p:spTgt>
+                                        </p:tgtEl>
+                                        <p:attrNameLst>
+                                          <p:attrName>ppt_x</p:attrName>
+                                        </p:attrNameLst>
+                                      </p:cBhvr>
+                                      <p:tavLst>
+                                        <p:tav tm="0">
+                                          <p:val>
+                                            <p:strVal val="#ppt_x"/>
+                                          </p:val>
+                                        </p:tav>
+                                        <p:tav tm="100000">
+                                          <p:val>
+                                            <p:strVal val="#ppt_x"/>
+                                          </p:val>
+                                        </p:tav>
+                                      </p:tavLst>
+                                    </p:anim>
+                                    <p:anim calcmode="lin" valueType="num">
+                                      <p:cBhvr>
+                                        <p:cTn id="42" dur="1000" fill="hold"/>
+                                        <p:tgtEl>
+                                          <p:spTgt spid="3">
+                                            <p:txEl>
+                                              <p:pRg st="4" end="4"/>
+                                            </p:txEl>
+                                          </p:spTgt>
+                                        </p:tgtEl>
+                                        <p:attrNameLst>
+                                          <p:attrName>ppt_y</p:attrName>
+                                        </p:attrNameLst>
+                                      </p:cBhvr>
+                                      <p:tavLst>
+                                        <p:tav tm="0">
+                                          <p:val>
+                                            <p:strVal val="#ppt_y+.1"/>
+                                          </p:val>
+                                        </p:tav>
+                                        <p:tav tm="100000">
+                                          <p:val>
+                                            <p:strVal val="#ppt_y"/>
+                                          </p:val>
+                                        </p:tav>
+                                      </p:tavLst>
+                                    </p:anim>
+                                  </p:childTnLst>
+                                </p:cTn>
+                              </p:par>
+                            </p:childTnLst>
+                          </p:cTn>
+                        </p:par>
+                      </p:childTnLst>
+                    </p:cTn>
+                  </p:par>
+                </p:childTnLst>
+              </p:cTn>
+              <p:prevCondLst>
+                <p:cond evt="onPrev" delay="0">
+                  <p:tgtEl>
+                    <p:sldTgt/>
+                  </p:tgtEl>
+                </p:cond>
+              </p:prevCondLst>
+              <p:nextCondLst>
+                <p:cond evt="onNext" delay="0">
+                  <p:tgtEl>
+                    <p:sldTgt/>
+                  </p:tgtEl>
+                </p:cond>
+              </p:nextCondLst>
+            </p:seq>
+          </p:childTnLst>
+        </p:cTn>
+      </p:par>
+    </p:tnLst>
+    <p:bldLst>
+      <p:bldP spid="2" grpId="0"/>
+      <p:bldP spid="3" grpId="0" uiExpand="1" build="p"/>
+    </p:bldLst>
+  </p:timing>
 </p:sld>
 </file>
 
@@ -5836,6 +7133,803 @@
   <p:clrMapOvr>
     <a:masterClrMapping/>
   </p:clrMapOvr>
+  <p:timing>
+    <p:tnLst>
+      <p:par>
+        <p:cTn id="1" dur="indefinite" restart="never" nodeType="tmRoot">
+          <p:childTnLst>
+            <p:seq concurrent="1" nextAc="seek">
+              <p:cTn id="2" dur="indefinite" nodeType="mainSeq">
+                <p:childTnLst>
+                  <p:par>
+                    <p:cTn id="3" fill="hold">
+                      <p:stCondLst>
+                        <p:cond delay="indefinite"/>
+                      </p:stCondLst>
+                      <p:childTnLst>
+                        <p:par>
+                          <p:cTn id="4" fill="hold">
+                            <p:stCondLst>
+                              <p:cond delay="0"/>
+                            </p:stCondLst>
+                            <p:childTnLst>
+                              <p:par>
+                                <p:cTn id="5" presetID="6" presetClass="entr" presetSubtype="16" fill="hold" grpId="0" nodeType="clickEffect">
+                                  <p:stCondLst>
+                                    <p:cond delay="0"/>
+                                  </p:stCondLst>
+                                  <p:childTnLst>
+                                    <p:set>
+                                      <p:cBhvr>
+                                        <p:cTn id="6" dur="1" fill="hold">
+                                          <p:stCondLst>
+                                            <p:cond delay="0"/>
+                                          </p:stCondLst>
+                                        </p:cTn>
+                                        <p:tgtEl>
+                                          <p:spTgt spid="2"/>
+                                        </p:tgtEl>
+                                        <p:attrNameLst>
+                                          <p:attrName>style.visibility</p:attrName>
+                                        </p:attrNameLst>
+                                      </p:cBhvr>
+                                      <p:to>
+                                        <p:strVal val="visible"/>
+                                      </p:to>
+                                    </p:set>
+                                    <p:animEffect transition="in" filter="circle(in)">
+                                      <p:cBhvr>
+                                        <p:cTn id="7" dur="2000"/>
+                                        <p:tgtEl>
+                                          <p:spTgt spid="2"/>
+                                        </p:tgtEl>
+                                      </p:cBhvr>
+                                    </p:animEffect>
+                                  </p:childTnLst>
+                                </p:cTn>
+                              </p:par>
+                            </p:childTnLst>
+                          </p:cTn>
+                        </p:par>
+                      </p:childTnLst>
+                    </p:cTn>
+                  </p:par>
+                  <p:par>
+                    <p:cTn id="8" fill="hold">
+                      <p:stCondLst>
+                        <p:cond delay="indefinite"/>
+                      </p:stCondLst>
+                      <p:childTnLst>
+                        <p:par>
+                          <p:cTn id="9" fill="hold">
+                            <p:stCondLst>
+                              <p:cond delay="0"/>
+                            </p:stCondLst>
+                            <p:childTnLst>
+                              <p:par>
+                                <p:cTn id="10" presetID="31" presetClass="entr" presetSubtype="0" fill="hold" grpId="0" nodeType="clickEffect">
+                                  <p:stCondLst>
+                                    <p:cond delay="0"/>
+                                  </p:stCondLst>
+                                  <p:childTnLst>
+                                    <p:set>
+                                      <p:cBhvr>
+                                        <p:cTn id="11" dur="1" fill="hold">
+                                          <p:stCondLst>
+                                            <p:cond delay="0"/>
+                                          </p:stCondLst>
+                                        </p:cTn>
+                                        <p:tgtEl>
+                                          <p:spTgt spid="3">
+                                            <p:txEl>
+                                              <p:pRg st="1" end="1"/>
+                                            </p:txEl>
+                                          </p:spTgt>
+                                        </p:tgtEl>
+                                        <p:attrNameLst>
+                                          <p:attrName>style.visibility</p:attrName>
+                                        </p:attrNameLst>
+                                      </p:cBhvr>
+                                      <p:to>
+                                        <p:strVal val="visible"/>
+                                      </p:to>
+                                    </p:set>
+                                    <p:anim calcmode="lin" valueType="num">
+                                      <p:cBhvr>
+                                        <p:cTn id="12" dur="1000" fill="hold"/>
+                                        <p:tgtEl>
+                                          <p:spTgt spid="3">
+                                            <p:txEl>
+                                              <p:pRg st="1" end="1"/>
+                                            </p:txEl>
+                                          </p:spTgt>
+                                        </p:tgtEl>
+                                        <p:attrNameLst>
+                                          <p:attrName>ppt_w</p:attrName>
+                                        </p:attrNameLst>
+                                      </p:cBhvr>
+                                      <p:tavLst>
+                                        <p:tav tm="0">
+                                          <p:val>
+                                            <p:fltVal val="0"/>
+                                          </p:val>
+                                        </p:tav>
+                                        <p:tav tm="100000">
+                                          <p:val>
+                                            <p:strVal val="#ppt_w"/>
+                                          </p:val>
+                                        </p:tav>
+                                      </p:tavLst>
+                                    </p:anim>
+                                    <p:anim calcmode="lin" valueType="num">
+                                      <p:cBhvr>
+                                        <p:cTn id="13" dur="1000" fill="hold"/>
+                                        <p:tgtEl>
+                                          <p:spTgt spid="3">
+                                            <p:txEl>
+                                              <p:pRg st="1" end="1"/>
+                                            </p:txEl>
+                                          </p:spTgt>
+                                        </p:tgtEl>
+                                        <p:attrNameLst>
+                                          <p:attrName>ppt_h</p:attrName>
+                                        </p:attrNameLst>
+                                      </p:cBhvr>
+                                      <p:tavLst>
+                                        <p:tav tm="0">
+                                          <p:val>
+                                            <p:fltVal val="0"/>
+                                          </p:val>
+                                        </p:tav>
+                                        <p:tav tm="100000">
+                                          <p:val>
+                                            <p:strVal val="#ppt_h"/>
+                                          </p:val>
+                                        </p:tav>
+                                      </p:tavLst>
+                                    </p:anim>
+                                    <p:anim calcmode="lin" valueType="num">
+                                      <p:cBhvr>
+                                        <p:cTn id="14" dur="1000" fill="hold"/>
+                                        <p:tgtEl>
+                                          <p:spTgt spid="3">
+                                            <p:txEl>
+                                              <p:pRg st="1" end="1"/>
+                                            </p:txEl>
+                                          </p:spTgt>
+                                        </p:tgtEl>
+                                        <p:attrNameLst>
+                                          <p:attrName>style.rotation</p:attrName>
+                                        </p:attrNameLst>
+                                      </p:cBhvr>
+                                      <p:tavLst>
+                                        <p:tav tm="0">
+                                          <p:val>
+                                            <p:fltVal val="90"/>
+                                          </p:val>
+                                        </p:tav>
+                                        <p:tav tm="100000">
+                                          <p:val>
+                                            <p:fltVal val="0"/>
+                                          </p:val>
+                                        </p:tav>
+                                      </p:tavLst>
+                                    </p:anim>
+                                    <p:animEffect transition="in" filter="fade">
+                                      <p:cBhvr>
+                                        <p:cTn id="15" dur="1000"/>
+                                        <p:tgtEl>
+                                          <p:spTgt spid="3">
+                                            <p:txEl>
+                                              <p:pRg st="1" end="1"/>
+                                            </p:txEl>
+                                          </p:spTgt>
+                                        </p:tgtEl>
+                                      </p:cBhvr>
+                                    </p:animEffect>
+                                  </p:childTnLst>
+                                </p:cTn>
+                              </p:par>
+                            </p:childTnLst>
+                          </p:cTn>
+                        </p:par>
+                      </p:childTnLst>
+                    </p:cTn>
+                  </p:par>
+                  <p:par>
+                    <p:cTn id="16" fill="hold">
+                      <p:stCondLst>
+                        <p:cond delay="indefinite"/>
+                      </p:stCondLst>
+                      <p:childTnLst>
+                        <p:par>
+                          <p:cTn id="17" fill="hold">
+                            <p:stCondLst>
+                              <p:cond delay="0"/>
+                            </p:stCondLst>
+                            <p:childTnLst>
+                              <p:par>
+                                <p:cTn id="18" presetID="31" presetClass="entr" presetSubtype="0" fill="hold" grpId="0" nodeType="clickEffect">
+                                  <p:stCondLst>
+                                    <p:cond delay="0"/>
+                                  </p:stCondLst>
+                                  <p:childTnLst>
+                                    <p:set>
+                                      <p:cBhvr>
+                                        <p:cTn id="19" dur="1" fill="hold">
+                                          <p:stCondLst>
+                                            <p:cond delay="0"/>
+                                          </p:stCondLst>
+                                        </p:cTn>
+                                        <p:tgtEl>
+                                          <p:spTgt spid="3">
+                                            <p:txEl>
+                                              <p:pRg st="3" end="3"/>
+                                            </p:txEl>
+                                          </p:spTgt>
+                                        </p:tgtEl>
+                                        <p:attrNameLst>
+                                          <p:attrName>style.visibility</p:attrName>
+                                        </p:attrNameLst>
+                                      </p:cBhvr>
+                                      <p:to>
+                                        <p:strVal val="visible"/>
+                                      </p:to>
+                                    </p:set>
+                                    <p:anim calcmode="lin" valueType="num">
+                                      <p:cBhvr>
+                                        <p:cTn id="20" dur="1000" fill="hold"/>
+                                        <p:tgtEl>
+                                          <p:spTgt spid="3">
+                                            <p:txEl>
+                                              <p:pRg st="3" end="3"/>
+                                            </p:txEl>
+                                          </p:spTgt>
+                                        </p:tgtEl>
+                                        <p:attrNameLst>
+                                          <p:attrName>ppt_w</p:attrName>
+                                        </p:attrNameLst>
+                                      </p:cBhvr>
+                                      <p:tavLst>
+                                        <p:tav tm="0">
+                                          <p:val>
+                                            <p:fltVal val="0"/>
+                                          </p:val>
+                                        </p:tav>
+                                        <p:tav tm="100000">
+                                          <p:val>
+                                            <p:strVal val="#ppt_w"/>
+                                          </p:val>
+                                        </p:tav>
+                                      </p:tavLst>
+                                    </p:anim>
+                                    <p:anim calcmode="lin" valueType="num">
+                                      <p:cBhvr>
+                                        <p:cTn id="21" dur="1000" fill="hold"/>
+                                        <p:tgtEl>
+                                          <p:spTgt spid="3">
+                                            <p:txEl>
+                                              <p:pRg st="3" end="3"/>
+                                            </p:txEl>
+                                          </p:spTgt>
+                                        </p:tgtEl>
+                                        <p:attrNameLst>
+                                          <p:attrName>ppt_h</p:attrName>
+                                        </p:attrNameLst>
+                                      </p:cBhvr>
+                                      <p:tavLst>
+                                        <p:tav tm="0">
+                                          <p:val>
+                                            <p:fltVal val="0"/>
+                                          </p:val>
+                                        </p:tav>
+                                        <p:tav tm="100000">
+                                          <p:val>
+                                            <p:strVal val="#ppt_h"/>
+                                          </p:val>
+                                        </p:tav>
+                                      </p:tavLst>
+                                    </p:anim>
+                                    <p:anim calcmode="lin" valueType="num">
+                                      <p:cBhvr>
+                                        <p:cTn id="22" dur="1000" fill="hold"/>
+                                        <p:tgtEl>
+                                          <p:spTgt spid="3">
+                                            <p:txEl>
+                                              <p:pRg st="3" end="3"/>
+                                            </p:txEl>
+                                          </p:spTgt>
+                                        </p:tgtEl>
+                                        <p:attrNameLst>
+                                          <p:attrName>style.rotation</p:attrName>
+                                        </p:attrNameLst>
+                                      </p:cBhvr>
+                                      <p:tavLst>
+                                        <p:tav tm="0">
+                                          <p:val>
+                                            <p:fltVal val="90"/>
+                                          </p:val>
+                                        </p:tav>
+                                        <p:tav tm="100000">
+                                          <p:val>
+                                            <p:fltVal val="0"/>
+                                          </p:val>
+                                        </p:tav>
+                                      </p:tavLst>
+                                    </p:anim>
+                                    <p:animEffect transition="in" filter="fade">
+                                      <p:cBhvr>
+                                        <p:cTn id="23" dur="1000"/>
+                                        <p:tgtEl>
+                                          <p:spTgt spid="3">
+                                            <p:txEl>
+                                              <p:pRg st="3" end="3"/>
+                                            </p:txEl>
+                                          </p:spTgt>
+                                        </p:tgtEl>
+                                      </p:cBhvr>
+                                    </p:animEffect>
+                                  </p:childTnLst>
+                                </p:cTn>
+                              </p:par>
+                            </p:childTnLst>
+                          </p:cTn>
+                        </p:par>
+                      </p:childTnLst>
+                    </p:cTn>
+                  </p:par>
+                  <p:par>
+                    <p:cTn id="24" fill="hold">
+                      <p:stCondLst>
+                        <p:cond delay="indefinite"/>
+                      </p:stCondLst>
+                      <p:childTnLst>
+                        <p:par>
+                          <p:cTn id="25" fill="hold">
+                            <p:stCondLst>
+                              <p:cond delay="0"/>
+                            </p:stCondLst>
+                            <p:childTnLst>
+                              <p:par>
+                                <p:cTn id="26" presetID="31" presetClass="entr" presetSubtype="0" fill="hold" grpId="0" nodeType="clickEffect">
+                                  <p:stCondLst>
+                                    <p:cond delay="0"/>
+                                  </p:stCondLst>
+                                  <p:childTnLst>
+                                    <p:set>
+                                      <p:cBhvr>
+                                        <p:cTn id="27" dur="1" fill="hold">
+                                          <p:stCondLst>
+                                            <p:cond delay="0"/>
+                                          </p:stCondLst>
+                                        </p:cTn>
+                                        <p:tgtEl>
+                                          <p:spTgt spid="3">
+                                            <p:txEl>
+                                              <p:pRg st="5" end="5"/>
+                                            </p:txEl>
+                                          </p:spTgt>
+                                        </p:tgtEl>
+                                        <p:attrNameLst>
+                                          <p:attrName>style.visibility</p:attrName>
+                                        </p:attrNameLst>
+                                      </p:cBhvr>
+                                      <p:to>
+                                        <p:strVal val="visible"/>
+                                      </p:to>
+                                    </p:set>
+                                    <p:anim calcmode="lin" valueType="num">
+                                      <p:cBhvr>
+                                        <p:cTn id="28" dur="1000" fill="hold"/>
+                                        <p:tgtEl>
+                                          <p:spTgt spid="3">
+                                            <p:txEl>
+                                              <p:pRg st="5" end="5"/>
+                                            </p:txEl>
+                                          </p:spTgt>
+                                        </p:tgtEl>
+                                        <p:attrNameLst>
+                                          <p:attrName>ppt_w</p:attrName>
+                                        </p:attrNameLst>
+                                      </p:cBhvr>
+                                      <p:tavLst>
+                                        <p:tav tm="0">
+                                          <p:val>
+                                            <p:fltVal val="0"/>
+                                          </p:val>
+                                        </p:tav>
+                                        <p:tav tm="100000">
+                                          <p:val>
+                                            <p:strVal val="#ppt_w"/>
+                                          </p:val>
+                                        </p:tav>
+                                      </p:tavLst>
+                                    </p:anim>
+                                    <p:anim calcmode="lin" valueType="num">
+                                      <p:cBhvr>
+                                        <p:cTn id="29" dur="1000" fill="hold"/>
+                                        <p:tgtEl>
+                                          <p:spTgt spid="3">
+                                            <p:txEl>
+                                              <p:pRg st="5" end="5"/>
+                                            </p:txEl>
+                                          </p:spTgt>
+                                        </p:tgtEl>
+                                        <p:attrNameLst>
+                                          <p:attrName>ppt_h</p:attrName>
+                                        </p:attrNameLst>
+                                      </p:cBhvr>
+                                      <p:tavLst>
+                                        <p:tav tm="0">
+                                          <p:val>
+                                            <p:fltVal val="0"/>
+                                          </p:val>
+                                        </p:tav>
+                                        <p:tav tm="100000">
+                                          <p:val>
+                                            <p:strVal val="#ppt_h"/>
+                                          </p:val>
+                                        </p:tav>
+                                      </p:tavLst>
+                                    </p:anim>
+                                    <p:anim calcmode="lin" valueType="num">
+                                      <p:cBhvr>
+                                        <p:cTn id="30" dur="1000" fill="hold"/>
+                                        <p:tgtEl>
+                                          <p:spTgt spid="3">
+                                            <p:txEl>
+                                              <p:pRg st="5" end="5"/>
+                                            </p:txEl>
+                                          </p:spTgt>
+                                        </p:tgtEl>
+                                        <p:attrNameLst>
+                                          <p:attrName>style.rotation</p:attrName>
+                                        </p:attrNameLst>
+                                      </p:cBhvr>
+                                      <p:tavLst>
+                                        <p:tav tm="0">
+                                          <p:val>
+                                            <p:fltVal val="90"/>
+                                          </p:val>
+                                        </p:tav>
+                                        <p:tav tm="100000">
+                                          <p:val>
+                                            <p:fltVal val="0"/>
+                                          </p:val>
+                                        </p:tav>
+                                      </p:tavLst>
+                                    </p:anim>
+                                    <p:animEffect transition="in" filter="fade">
+                                      <p:cBhvr>
+                                        <p:cTn id="31" dur="1000"/>
+                                        <p:tgtEl>
+                                          <p:spTgt spid="3">
+                                            <p:txEl>
+                                              <p:pRg st="5" end="5"/>
+                                            </p:txEl>
+                                          </p:spTgt>
+                                        </p:tgtEl>
+                                      </p:cBhvr>
+                                    </p:animEffect>
+                                  </p:childTnLst>
+                                </p:cTn>
+                              </p:par>
+                            </p:childTnLst>
+                          </p:cTn>
+                        </p:par>
+                      </p:childTnLst>
+                    </p:cTn>
+                  </p:par>
+                  <p:par>
+                    <p:cTn id="32" fill="hold">
+                      <p:stCondLst>
+                        <p:cond delay="indefinite"/>
+                      </p:stCondLst>
+                      <p:childTnLst>
+                        <p:par>
+                          <p:cTn id="33" fill="hold">
+                            <p:stCondLst>
+                              <p:cond delay="0"/>
+                            </p:stCondLst>
+                            <p:childTnLst>
+                              <p:par>
+                                <p:cTn id="34" presetID="31" presetClass="entr" presetSubtype="0" fill="hold" grpId="0" nodeType="clickEffect">
+                                  <p:stCondLst>
+                                    <p:cond delay="0"/>
+                                  </p:stCondLst>
+                                  <p:childTnLst>
+                                    <p:set>
+                                      <p:cBhvr>
+                                        <p:cTn id="35" dur="1" fill="hold">
+                                          <p:stCondLst>
+                                            <p:cond delay="0"/>
+                                          </p:stCondLst>
+                                        </p:cTn>
+                                        <p:tgtEl>
+                                          <p:spTgt spid="3">
+                                            <p:txEl>
+                                              <p:pRg st="7" end="7"/>
+                                            </p:txEl>
+                                          </p:spTgt>
+                                        </p:tgtEl>
+                                        <p:attrNameLst>
+                                          <p:attrName>style.visibility</p:attrName>
+                                        </p:attrNameLst>
+                                      </p:cBhvr>
+                                      <p:to>
+                                        <p:strVal val="visible"/>
+                                      </p:to>
+                                    </p:set>
+                                    <p:anim calcmode="lin" valueType="num">
+                                      <p:cBhvr>
+                                        <p:cTn id="36" dur="1000" fill="hold"/>
+                                        <p:tgtEl>
+                                          <p:spTgt spid="3">
+                                            <p:txEl>
+                                              <p:pRg st="7" end="7"/>
+                                            </p:txEl>
+                                          </p:spTgt>
+                                        </p:tgtEl>
+                                        <p:attrNameLst>
+                                          <p:attrName>ppt_w</p:attrName>
+                                        </p:attrNameLst>
+                                      </p:cBhvr>
+                                      <p:tavLst>
+                                        <p:tav tm="0">
+                                          <p:val>
+                                            <p:fltVal val="0"/>
+                                          </p:val>
+                                        </p:tav>
+                                        <p:tav tm="100000">
+                                          <p:val>
+                                            <p:strVal val="#ppt_w"/>
+                                          </p:val>
+                                        </p:tav>
+                                      </p:tavLst>
+                                    </p:anim>
+                                    <p:anim calcmode="lin" valueType="num">
+                                      <p:cBhvr>
+                                        <p:cTn id="37" dur="1000" fill="hold"/>
+                                        <p:tgtEl>
+                                          <p:spTgt spid="3">
+                                            <p:txEl>
+                                              <p:pRg st="7" end="7"/>
+                                            </p:txEl>
+                                          </p:spTgt>
+                                        </p:tgtEl>
+                                        <p:attrNameLst>
+                                          <p:attrName>ppt_h</p:attrName>
+                                        </p:attrNameLst>
+                                      </p:cBhvr>
+                                      <p:tavLst>
+                                        <p:tav tm="0">
+                                          <p:val>
+                                            <p:fltVal val="0"/>
+                                          </p:val>
+                                        </p:tav>
+                                        <p:tav tm="100000">
+                                          <p:val>
+                                            <p:strVal val="#ppt_h"/>
+                                          </p:val>
+                                        </p:tav>
+                                      </p:tavLst>
+                                    </p:anim>
+                                    <p:anim calcmode="lin" valueType="num">
+                                      <p:cBhvr>
+                                        <p:cTn id="38" dur="1000" fill="hold"/>
+                                        <p:tgtEl>
+                                          <p:spTgt spid="3">
+                                            <p:txEl>
+                                              <p:pRg st="7" end="7"/>
+                                            </p:txEl>
+                                          </p:spTgt>
+                                        </p:tgtEl>
+                                        <p:attrNameLst>
+                                          <p:attrName>style.rotation</p:attrName>
+                                        </p:attrNameLst>
+                                      </p:cBhvr>
+                                      <p:tavLst>
+                                        <p:tav tm="0">
+                                          <p:val>
+                                            <p:fltVal val="90"/>
+                                          </p:val>
+                                        </p:tav>
+                                        <p:tav tm="100000">
+                                          <p:val>
+                                            <p:fltVal val="0"/>
+                                          </p:val>
+                                        </p:tav>
+                                      </p:tavLst>
+                                    </p:anim>
+                                    <p:animEffect transition="in" filter="fade">
+                                      <p:cBhvr>
+                                        <p:cTn id="39" dur="1000"/>
+                                        <p:tgtEl>
+                                          <p:spTgt spid="3">
+                                            <p:txEl>
+                                              <p:pRg st="7" end="7"/>
+                                            </p:txEl>
+                                          </p:spTgt>
+                                        </p:tgtEl>
+                                      </p:cBhvr>
+                                    </p:animEffect>
+                                  </p:childTnLst>
+                                </p:cTn>
+                              </p:par>
+                            </p:childTnLst>
+                          </p:cTn>
+                        </p:par>
+                      </p:childTnLst>
+                    </p:cTn>
+                  </p:par>
+                  <p:par>
+                    <p:cTn id="40" fill="hold">
+                      <p:stCondLst>
+                        <p:cond delay="indefinite"/>
+                      </p:stCondLst>
+                      <p:childTnLst>
+                        <p:par>
+                          <p:cTn id="41" fill="hold">
+                            <p:stCondLst>
+                              <p:cond delay="0"/>
+                            </p:stCondLst>
+                            <p:childTnLst>
+                              <p:par>
+                                <p:cTn id="42" presetID="31" presetClass="entr" presetSubtype="0" fill="hold" grpId="0" nodeType="clickEffect">
+                                  <p:stCondLst>
+                                    <p:cond delay="0"/>
+                                  </p:stCondLst>
+                                  <p:childTnLst>
+                                    <p:set>
+                                      <p:cBhvr>
+                                        <p:cTn id="43" dur="1" fill="hold">
+                                          <p:stCondLst>
+                                            <p:cond delay="0"/>
+                                          </p:stCondLst>
+                                        </p:cTn>
+                                        <p:tgtEl>
+                                          <p:spTgt spid="3">
+                                            <p:txEl>
+                                              <p:pRg st="9" end="9"/>
+                                            </p:txEl>
+                                          </p:spTgt>
+                                        </p:tgtEl>
+                                        <p:attrNameLst>
+                                          <p:attrName>style.visibility</p:attrName>
+                                        </p:attrNameLst>
+                                      </p:cBhvr>
+                                      <p:to>
+                                        <p:strVal val="visible"/>
+                                      </p:to>
+                                    </p:set>
+                                    <p:anim calcmode="lin" valueType="num">
+                                      <p:cBhvr>
+                                        <p:cTn id="44" dur="1000" fill="hold"/>
+                                        <p:tgtEl>
+                                          <p:spTgt spid="3">
+                                            <p:txEl>
+                                              <p:pRg st="9" end="9"/>
+                                            </p:txEl>
+                                          </p:spTgt>
+                                        </p:tgtEl>
+                                        <p:attrNameLst>
+                                          <p:attrName>ppt_w</p:attrName>
+                                        </p:attrNameLst>
+                                      </p:cBhvr>
+                                      <p:tavLst>
+                                        <p:tav tm="0">
+                                          <p:val>
+                                            <p:fltVal val="0"/>
+                                          </p:val>
+                                        </p:tav>
+                                        <p:tav tm="100000">
+                                          <p:val>
+                                            <p:strVal val="#ppt_w"/>
+                                          </p:val>
+                                        </p:tav>
+                                      </p:tavLst>
+                                    </p:anim>
+                                    <p:anim calcmode="lin" valueType="num">
+                                      <p:cBhvr>
+                                        <p:cTn id="45" dur="1000" fill="hold"/>
+                                        <p:tgtEl>
+                                          <p:spTgt spid="3">
+                                            <p:txEl>
+                                              <p:pRg st="9" end="9"/>
+                                            </p:txEl>
+                                          </p:spTgt>
+                                        </p:tgtEl>
+                                        <p:attrNameLst>
+                                          <p:attrName>ppt_h</p:attrName>
+                                        </p:attrNameLst>
+                                      </p:cBhvr>
+                                      <p:tavLst>
+                                        <p:tav tm="0">
+                                          <p:val>
+                                            <p:fltVal val="0"/>
+                                          </p:val>
+                                        </p:tav>
+                                        <p:tav tm="100000">
+                                          <p:val>
+                                            <p:strVal val="#ppt_h"/>
+                                          </p:val>
+                                        </p:tav>
+                                      </p:tavLst>
+                                    </p:anim>
+                                    <p:anim calcmode="lin" valueType="num">
+                                      <p:cBhvr>
+                                        <p:cTn id="46" dur="1000" fill="hold"/>
+                                        <p:tgtEl>
+                                          <p:spTgt spid="3">
+                                            <p:txEl>
+                                              <p:pRg st="9" end="9"/>
+                                            </p:txEl>
+                                          </p:spTgt>
+                                        </p:tgtEl>
+                                        <p:attrNameLst>
+                                          <p:attrName>style.rotation</p:attrName>
+                                        </p:attrNameLst>
+                                      </p:cBhvr>
+                                      <p:tavLst>
+                                        <p:tav tm="0">
+                                          <p:val>
+                                            <p:fltVal val="90"/>
+                                          </p:val>
+                                        </p:tav>
+                                        <p:tav tm="100000">
+                                          <p:val>
+                                            <p:fltVal val="0"/>
+                                          </p:val>
+                                        </p:tav>
+                                      </p:tavLst>
+                                    </p:anim>
+                                    <p:animEffect transition="in" filter="fade">
+                                      <p:cBhvr>
+                                        <p:cTn id="47" dur="1000"/>
+                                        <p:tgtEl>
+                                          <p:spTgt spid="3">
+                                            <p:txEl>
+                                              <p:pRg st="9" end="9"/>
+                                            </p:txEl>
+                                          </p:spTgt>
+                                        </p:tgtEl>
+                                      </p:cBhvr>
+                                    </p:animEffect>
+                                  </p:childTnLst>
+                                </p:cTn>
+                              </p:par>
+                            </p:childTnLst>
+                          </p:cTn>
+                        </p:par>
+                      </p:childTnLst>
+                    </p:cTn>
+                  </p:par>
+                </p:childTnLst>
+              </p:cTn>
+              <p:prevCondLst>
+                <p:cond evt="onPrev" delay="0">
+                  <p:tgtEl>
+                    <p:sldTgt/>
+                  </p:tgtEl>
+                </p:cond>
+              </p:prevCondLst>
+              <p:nextCondLst>
+                <p:cond evt="onNext" delay="0">
+                  <p:tgtEl>
+                    <p:sldTgt/>
+                  </p:tgtEl>
+                </p:cond>
+              </p:nextCondLst>
+            </p:seq>
+          </p:childTnLst>
+        </p:cTn>
+      </p:par>
+    </p:tnLst>
+    <p:bldLst>
+      <p:bldP spid="2" grpId="0"/>
+      <p:bldP spid="3" grpId="0" build="p"/>
+    </p:bldLst>
+  </p:timing>
 </p:sld>
 </file>
 
@@ -6255,6 +8349,2033 @@
   <p:clrMapOvr>
     <a:masterClrMapping/>
   </p:clrMapOvr>
+  <p:timing>
+    <p:tnLst>
+      <p:par>
+        <p:cTn id="1" dur="indefinite" restart="never" nodeType="tmRoot">
+          <p:childTnLst>
+            <p:seq concurrent="1" nextAc="seek">
+              <p:cTn id="2" dur="indefinite" nodeType="mainSeq">
+                <p:childTnLst>
+                  <p:par>
+                    <p:cTn id="3" fill="hold">
+                      <p:stCondLst>
+                        <p:cond delay="indefinite"/>
+                      </p:stCondLst>
+                      <p:childTnLst>
+                        <p:par>
+                          <p:cTn id="4" fill="hold">
+                            <p:stCondLst>
+                              <p:cond delay="0"/>
+                            </p:stCondLst>
+                            <p:childTnLst>
+                              <p:par>
+                                <p:cTn id="5" presetID="53" presetClass="entr" presetSubtype="16" fill="hold" grpId="0" nodeType="clickEffect">
+                                  <p:stCondLst>
+                                    <p:cond delay="0"/>
+                                  </p:stCondLst>
+                                  <p:childTnLst>
+                                    <p:set>
+                                      <p:cBhvr>
+                                        <p:cTn id="6" dur="1" fill="hold">
+                                          <p:stCondLst>
+                                            <p:cond delay="0"/>
+                                          </p:stCondLst>
+                                        </p:cTn>
+                                        <p:tgtEl>
+                                          <p:spTgt spid="2"/>
+                                        </p:tgtEl>
+                                        <p:attrNameLst>
+                                          <p:attrName>style.visibility</p:attrName>
+                                        </p:attrNameLst>
+                                      </p:cBhvr>
+                                      <p:to>
+                                        <p:strVal val="visible"/>
+                                      </p:to>
+                                    </p:set>
+                                    <p:anim calcmode="lin" valueType="num">
+                                      <p:cBhvr>
+                                        <p:cTn id="7" dur="500" fill="hold"/>
+                                        <p:tgtEl>
+                                          <p:spTgt spid="2"/>
+                                        </p:tgtEl>
+                                        <p:attrNameLst>
+                                          <p:attrName>ppt_w</p:attrName>
+                                        </p:attrNameLst>
+                                      </p:cBhvr>
+                                      <p:tavLst>
+                                        <p:tav tm="0">
+                                          <p:val>
+                                            <p:fltVal val="0"/>
+                                          </p:val>
+                                        </p:tav>
+                                        <p:tav tm="100000">
+                                          <p:val>
+                                            <p:strVal val="#ppt_w"/>
+                                          </p:val>
+                                        </p:tav>
+                                      </p:tavLst>
+                                    </p:anim>
+                                    <p:anim calcmode="lin" valueType="num">
+                                      <p:cBhvr>
+                                        <p:cTn id="8" dur="500" fill="hold"/>
+                                        <p:tgtEl>
+                                          <p:spTgt spid="2"/>
+                                        </p:tgtEl>
+                                        <p:attrNameLst>
+                                          <p:attrName>ppt_h</p:attrName>
+                                        </p:attrNameLst>
+                                      </p:cBhvr>
+                                      <p:tavLst>
+                                        <p:tav tm="0">
+                                          <p:val>
+                                            <p:fltVal val="0"/>
+                                          </p:val>
+                                        </p:tav>
+                                        <p:tav tm="100000">
+                                          <p:val>
+                                            <p:strVal val="#ppt_h"/>
+                                          </p:val>
+                                        </p:tav>
+                                      </p:tavLst>
+                                    </p:anim>
+                                    <p:animEffect transition="in" filter="fade">
+                                      <p:cBhvr>
+                                        <p:cTn id="9" dur="500"/>
+                                        <p:tgtEl>
+                                          <p:spTgt spid="2"/>
+                                        </p:tgtEl>
+                                      </p:cBhvr>
+                                    </p:animEffect>
+                                  </p:childTnLst>
+                                </p:cTn>
+                              </p:par>
+                            </p:childTnLst>
+                          </p:cTn>
+                        </p:par>
+                      </p:childTnLst>
+                    </p:cTn>
+                  </p:par>
+                  <p:par>
+                    <p:cTn id="10" fill="hold">
+                      <p:stCondLst>
+                        <p:cond delay="indefinite"/>
+                      </p:stCondLst>
+                      <p:childTnLst>
+                        <p:par>
+                          <p:cTn id="11" fill="hold">
+                            <p:stCondLst>
+                              <p:cond delay="0"/>
+                            </p:stCondLst>
+                            <p:childTnLst>
+                              <p:par>
+                                <p:cTn id="12" presetID="6" presetClass="entr" presetSubtype="16" fill="hold" grpId="0" nodeType="clickEffect">
+                                  <p:stCondLst>
+                                    <p:cond delay="0"/>
+                                  </p:stCondLst>
+                                  <p:childTnLst>
+                                    <p:set>
+                                      <p:cBhvr>
+                                        <p:cTn id="13" dur="1" fill="hold">
+                                          <p:stCondLst>
+                                            <p:cond delay="0"/>
+                                          </p:stCondLst>
+                                        </p:cTn>
+                                        <p:tgtEl>
+                                          <p:spTgt spid="3">
+                                            <p:txEl>
+                                              <p:pRg st="0" end="0"/>
+                                            </p:txEl>
+                                          </p:spTgt>
+                                        </p:tgtEl>
+                                        <p:attrNameLst>
+                                          <p:attrName>style.visibility</p:attrName>
+                                        </p:attrNameLst>
+                                      </p:cBhvr>
+                                      <p:to>
+                                        <p:strVal val="visible"/>
+                                      </p:to>
+                                    </p:set>
+                                    <p:animEffect transition="in" filter="circle(in)">
+                                      <p:cBhvr>
+                                        <p:cTn id="14" dur="2000"/>
+                                        <p:tgtEl>
+                                          <p:spTgt spid="3">
+                                            <p:txEl>
+                                              <p:pRg st="0" end="0"/>
+                                            </p:txEl>
+                                          </p:spTgt>
+                                        </p:tgtEl>
+                                      </p:cBhvr>
+                                    </p:animEffect>
+                                  </p:childTnLst>
+                                </p:cTn>
+                              </p:par>
+                            </p:childTnLst>
+                          </p:cTn>
+                        </p:par>
+                      </p:childTnLst>
+                    </p:cTn>
+                  </p:par>
+                  <p:par>
+                    <p:cTn id="15" fill="hold">
+                      <p:stCondLst>
+                        <p:cond delay="indefinite"/>
+                      </p:stCondLst>
+                      <p:childTnLst>
+                        <p:par>
+                          <p:cTn id="16" fill="hold">
+                            <p:stCondLst>
+                              <p:cond delay="0"/>
+                            </p:stCondLst>
+                            <p:childTnLst>
+                              <p:par>
+                                <p:cTn id="17" presetID="42" presetClass="entr" presetSubtype="0" fill="hold" grpId="0" nodeType="clickEffect">
+                                  <p:stCondLst>
+                                    <p:cond delay="0"/>
+                                  </p:stCondLst>
+                                  <p:childTnLst>
+                                    <p:set>
+                                      <p:cBhvr>
+                                        <p:cTn id="18" dur="1" fill="hold">
+                                          <p:stCondLst>
+                                            <p:cond delay="0"/>
+                                          </p:stCondLst>
+                                        </p:cTn>
+                                        <p:tgtEl>
+                                          <p:spTgt spid="4"/>
+                                        </p:tgtEl>
+                                        <p:attrNameLst>
+                                          <p:attrName>style.visibility</p:attrName>
+                                        </p:attrNameLst>
+                                      </p:cBhvr>
+                                      <p:to>
+                                        <p:strVal val="visible"/>
+                                      </p:to>
+                                    </p:set>
+                                    <p:animEffect transition="in" filter="fade">
+                                      <p:cBhvr>
+                                        <p:cTn id="19" dur="1000"/>
+                                        <p:tgtEl>
+                                          <p:spTgt spid="4"/>
+                                        </p:tgtEl>
+                                      </p:cBhvr>
+                                    </p:animEffect>
+                                    <p:anim calcmode="lin" valueType="num">
+                                      <p:cBhvr>
+                                        <p:cTn id="20" dur="1000" fill="hold"/>
+                                        <p:tgtEl>
+                                          <p:spTgt spid="4"/>
+                                        </p:tgtEl>
+                                        <p:attrNameLst>
+                                          <p:attrName>ppt_x</p:attrName>
+                                        </p:attrNameLst>
+                                      </p:cBhvr>
+                                      <p:tavLst>
+                                        <p:tav tm="0">
+                                          <p:val>
+                                            <p:strVal val="#ppt_x"/>
+                                          </p:val>
+                                        </p:tav>
+                                        <p:tav tm="100000">
+                                          <p:val>
+                                            <p:strVal val="#ppt_x"/>
+                                          </p:val>
+                                        </p:tav>
+                                      </p:tavLst>
+                                    </p:anim>
+                                    <p:anim calcmode="lin" valueType="num">
+                                      <p:cBhvr>
+                                        <p:cTn id="21" dur="1000" fill="hold"/>
+                                        <p:tgtEl>
+                                          <p:spTgt spid="4"/>
+                                        </p:tgtEl>
+                                        <p:attrNameLst>
+                                          <p:attrName>ppt_y</p:attrName>
+                                        </p:attrNameLst>
+                                      </p:cBhvr>
+                                      <p:tavLst>
+                                        <p:tav tm="0">
+                                          <p:val>
+                                            <p:strVal val="#ppt_y+.1"/>
+                                          </p:val>
+                                        </p:tav>
+                                        <p:tav tm="100000">
+                                          <p:val>
+                                            <p:strVal val="#ppt_y"/>
+                                          </p:val>
+                                        </p:tav>
+                                      </p:tavLst>
+                                    </p:anim>
+                                  </p:childTnLst>
+                                </p:cTn>
+                              </p:par>
+                            </p:childTnLst>
+                          </p:cTn>
+                        </p:par>
+                      </p:childTnLst>
+                    </p:cTn>
+                  </p:par>
+                </p:childTnLst>
+              </p:cTn>
+              <p:prevCondLst>
+                <p:cond evt="onPrev" delay="0">
+                  <p:tgtEl>
+                    <p:sldTgt/>
+                  </p:tgtEl>
+                </p:cond>
+              </p:prevCondLst>
+              <p:nextCondLst>
+                <p:cond evt="onNext" delay="0">
+                  <p:tgtEl>
+                    <p:sldTgt/>
+                  </p:tgtEl>
+                </p:cond>
+              </p:nextCondLst>
+            </p:seq>
+          </p:childTnLst>
+        </p:cTn>
+      </p:par>
+    </p:tnLst>
+    <p:bldLst>
+      <p:bldP spid="2" grpId="0"/>
+      <p:bldP spid="3" grpId="0" build="p"/>
+      <p:bldP spid="4" grpId="0" animBg="1"/>
+    </p:bldLst>
+  </p:timing>
+</p:sld>
+</file>
+
+<file path=ppt/slides/slide5.xml><?xml version="1.0" encoding="utf-8"?>
+<p:sld xmlns:a="http://schemas.openxmlformats.org/drawingml/2006/main" xmlns:r="http://schemas.openxmlformats.org/officeDocument/2006/relationships" xmlns:p="http://schemas.openxmlformats.org/presentationml/2006/main">
+  <p:cSld>
+    <p:spTree>
+      <p:nvGrpSpPr>
+        <p:cNvPr id="1" name=""/>
+        <p:cNvGrpSpPr/>
+        <p:nvPr/>
+      </p:nvGrpSpPr>
+      <p:grpSpPr>
+        <a:xfrm>
+          <a:off x="0" y="0"/>
+          <a:ext cx="0" cy="0"/>
+          <a:chOff x="0" y="0"/>
+          <a:chExt cx="0" cy="0"/>
+        </a:xfrm>
+      </p:grpSpPr>
+      <p:sp>
+        <p:nvSpPr>
+          <p:cNvPr id="2" name="Title 1"/>
+          <p:cNvSpPr>
+            <a:spLocks noGrp="1"/>
+          </p:cNvSpPr>
+          <p:nvPr>
+            <p:ph type="title"/>
+          </p:nvPr>
+        </p:nvSpPr>
+        <p:spPr>
+          <a:xfrm>
+            <a:off x="684213" y="153086"/>
+            <a:ext cx="8534401" cy="645984"/>
+          </a:xfrm>
+        </p:spPr>
+        <p:txBody>
+          <a:bodyPr/>
+          <a:lstStyle/>
+          <a:p>
+            <a:r>
+              <a:rPr lang="en-US" dirty="0" smtClean="0">
+                <a:latin typeface="Freestyle Script" panose="030804020302050B0404" pitchFamily="66" charset="0"/>
+              </a:rPr>
+              <a:t>Purpose  of  hacking</a:t>
+            </a:r>
+            <a:endParaRPr lang="en-CA" dirty="0">
+              <a:latin typeface="Freestyle Script" panose="030804020302050B0404" pitchFamily="66" charset="0"/>
+            </a:endParaRPr>
+          </a:p>
+        </p:txBody>
+      </p:sp>
+      <p:sp>
+        <p:nvSpPr>
+          <p:cNvPr id="3" name="Text Placeholder 2"/>
+          <p:cNvSpPr>
+            <a:spLocks noGrp="1"/>
+          </p:cNvSpPr>
+          <p:nvPr>
+            <p:ph type="body" idx="1"/>
+          </p:nvPr>
+        </p:nvSpPr>
+        <p:spPr>
+          <a:xfrm>
+            <a:off x="684213" y="799070"/>
+            <a:ext cx="8534400" cy="5181600"/>
+          </a:xfrm>
+        </p:spPr>
+        <p:txBody>
+          <a:bodyPr/>
+          <a:lstStyle/>
+          <a:p>
+            <a:pPr marL="285750" indent="-285750">
+              <a:buFont typeface="Wingdings" panose="05000000000000000000" pitchFamily="2" charset="2"/>
+              <a:buChar char="ü"/>
+            </a:pPr>
+            <a:endParaRPr lang="en-US" dirty="0" smtClean="0">
+              <a:solidFill>
+                <a:schemeClr val="tx1"/>
+              </a:solidFill>
+            </a:endParaRPr>
+          </a:p>
+          <a:p>
+            <a:pPr marL="285750" indent="-285750">
+              <a:buFont typeface="Wingdings" panose="05000000000000000000" pitchFamily="2" charset="2"/>
+              <a:buChar char="ü"/>
+            </a:pPr>
+            <a:r>
+              <a:rPr lang="en-US" dirty="0" smtClean="0">
+                <a:solidFill>
+                  <a:schemeClr val="tx1"/>
+                </a:solidFill>
+              </a:rPr>
+              <a:t>Just for fun</a:t>
+            </a:r>
+          </a:p>
+          <a:p>
+            <a:pPr marL="285750" indent="-285750">
+              <a:buFont typeface="Wingdings" panose="05000000000000000000" pitchFamily="2" charset="2"/>
+              <a:buChar char="ü"/>
+            </a:pPr>
+            <a:endParaRPr lang="en-US" dirty="0">
+              <a:solidFill>
+                <a:schemeClr val="tx1"/>
+              </a:solidFill>
+            </a:endParaRPr>
+          </a:p>
+          <a:p>
+            <a:pPr marL="285750" indent="-285750">
+              <a:buFont typeface="Wingdings" panose="05000000000000000000" pitchFamily="2" charset="2"/>
+              <a:buChar char="ü"/>
+            </a:pPr>
+            <a:r>
+              <a:rPr lang="en-US" dirty="0" smtClean="0">
+                <a:solidFill>
+                  <a:schemeClr val="tx1"/>
+                </a:solidFill>
+              </a:rPr>
+              <a:t>Show-off</a:t>
+            </a:r>
+          </a:p>
+          <a:p>
+            <a:pPr marL="285750" indent="-285750">
+              <a:buFont typeface="Wingdings" panose="05000000000000000000" pitchFamily="2" charset="2"/>
+              <a:buChar char="ü"/>
+            </a:pPr>
+            <a:endParaRPr lang="en-US" dirty="0">
+              <a:solidFill>
+                <a:schemeClr val="tx1"/>
+              </a:solidFill>
+            </a:endParaRPr>
+          </a:p>
+          <a:p>
+            <a:pPr marL="285750" indent="-285750">
+              <a:buFont typeface="Wingdings" panose="05000000000000000000" pitchFamily="2" charset="2"/>
+              <a:buChar char="ü"/>
+            </a:pPr>
+            <a:r>
+              <a:rPr lang="en-US" dirty="0" smtClean="0">
+                <a:solidFill>
+                  <a:schemeClr val="tx1"/>
+                </a:solidFill>
+              </a:rPr>
+              <a:t>Steal important information</a:t>
+            </a:r>
+          </a:p>
+          <a:p>
+            <a:pPr marL="285750" indent="-285750">
+              <a:buFont typeface="Wingdings" panose="05000000000000000000" pitchFamily="2" charset="2"/>
+              <a:buChar char="ü"/>
+            </a:pPr>
+            <a:endParaRPr lang="en-US" dirty="0">
+              <a:solidFill>
+                <a:schemeClr val="tx1"/>
+              </a:solidFill>
+            </a:endParaRPr>
+          </a:p>
+          <a:p>
+            <a:pPr marL="285750" indent="-285750">
+              <a:buFont typeface="Wingdings" panose="05000000000000000000" pitchFamily="2" charset="2"/>
+              <a:buChar char="ü"/>
+            </a:pPr>
+            <a:r>
+              <a:rPr lang="en-US" dirty="0" smtClean="0">
+                <a:solidFill>
+                  <a:schemeClr val="tx1"/>
+                </a:solidFill>
+              </a:rPr>
+              <a:t>Damaging the system</a:t>
+            </a:r>
+          </a:p>
+          <a:p>
+            <a:pPr marL="285750" indent="-285750">
+              <a:buFont typeface="Wingdings" panose="05000000000000000000" pitchFamily="2" charset="2"/>
+              <a:buChar char="ü"/>
+            </a:pPr>
+            <a:endParaRPr lang="en-US" dirty="0">
+              <a:solidFill>
+                <a:schemeClr val="tx1"/>
+              </a:solidFill>
+            </a:endParaRPr>
+          </a:p>
+          <a:p>
+            <a:pPr marL="285750" indent="-285750">
+              <a:buFont typeface="Wingdings" panose="05000000000000000000" pitchFamily="2" charset="2"/>
+              <a:buChar char="ü"/>
+            </a:pPr>
+            <a:r>
+              <a:rPr lang="en-US" dirty="0" smtClean="0">
+                <a:solidFill>
+                  <a:schemeClr val="tx1"/>
+                </a:solidFill>
+              </a:rPr>
+              <a:t>Money extortion</a:t>
+            </a:r>
+          </a:p>
+          <a:p>
+            <a:pPr marL="285750" indent="-285750">
+              <a:buFont typeface="Wingdings" panose="05000000000000000000" pitchFamily="2" charset="2"/>
+              <a:buChar char="ü"/>
+            </a:pPr>
+            <a:endParaRPr lang="en-US" dirty="0">
+              <a:solidFill>
+                <a:schemeClr val="tx1"/>
+              </a:solidFill>
+            </a:endParaRPr>
+          </a:p>
+          <a:p>
+            <a:pPr marL="285750" indent="-285750">
+              <a:buFont typeface="Wingdings" panose="05000000000000000000" pitchFamily="2" charset="2"/>
+              <a:buChar char="ü"/>
+            </a:pPr>
+            <a:r>
+              <a:rPr lang="en-US" dirty="0" smtClean="0">
+                <a:solidFill>
+                  <a:schemeClr val="tx1"/>
+                </a:solidFill>
+              </a:rPr>
+              <a:t>System security checking</a:t>
+            </a:r>
+            <a:endParaRPr lang="en-CA" dirty="0">
+              <a:solidFill>
+                <a:schemeClr val="tx1"/>
+              </a:solidFill>
+            </a:endParaRPr>
+          </a:p>
+        </p:txBody>
+      </p:sp>
+    </p:spTree>
+    <p:extLst>
+      <p:ext uri="{BB962C8B-B14F-4D97-AF65-F5344CB8AC3E}">
+        <p14:creationId xmlns:p14="http://schemas.microsoft.com/office/powerpoint/2010/main" val="2955462974"/>
+      </p:ext>
+    </p:extLst>
+  </p:cSld>
+  <p:clrMapOvr>
+    <a:masterClrMapping/>
+  </p:clrMapOvr>
+  <p:timing>
+    <p:tnLst>
+      <p:par>
+        <p:cTn id="1" dur="indefinite" restart="never" nodeType="tmRoot">
+          <p:childTnLst>
+            <p:seq concurrent="1" nextAc="seek">
+              <p:cTn id="2" dur="indefinite" nodeType="mainSeq">
+                <p:childTnLst>
+                  <p:par>
+                    <p:cTn id="3" fill="hold">
+                      <p:stCondLst>
+                        <p:cond delay="indefinite"/>
+                      </p:stCondLst>
+                      <p:childTnLst>
+                        <p:par>
+                          <p:cTn id="4" fill="hold">
+                            <p:stCondLst>
+                              <p:cond delay="0"/>
+                            </p:stCondLst>
+                            <p:childTnLst>
+                              <p:par>
+                                <p:cTn id="5" presetID="42" presetClass="entr" presetSubtype="0" fill="hold" grpId="0" nodeType="clickEffect">
+                                  <p:stCondLst>
+                                    <p:cond delay="0"/>
+                                  </p:stCondLst>
+                                  <p:childTnLst>
+                                    <p:set>
+                                      <p:cBhvr>
+                                        <p:cTn id="6" dur="1" fill="hold">
+                                          <p:stCondLst>
+                                            <p:cond delay="0"/>
+                                          </p:stCondLst>
+                                        </p:cTn>
+                                        <p:tgtEl>
+                                          <p:spTgt spid="2"/>
+                                        </p:tgtEl>
+                                        <p:attrNameLst>
+                                          <p:attrName>style.visibility</p:attrName>
+                                        </p:attrNameLst>
+                                      </p:cBhvr>
+                                      <p:to>
+                                        <p:strVal val="visible"/>
+                                      </p:to>
+                                    </p:set>
+                                    <p:animEffect transition="in" filter="fade">
+                                      <p:cBhvr>
+                                        <p:cTn id="7" dur="1000"/>
+                                        <p:tgtEl>
+                                          <p:spTgt spid="2"/>
+                                        </p:tgtEl>
+                                      </p:cBhvr>
+                                    </p:animEffect>
+                                    <p:anim calcmode="lin" valueType="num">
+                                      <p:cBhvr>
+                                        <p:cTn id="8" dur="1000" fill="hold"/>
+                                        <p:tgtEl>
+                                          <p:spTgt spid="2"/>
+                                        </p:tgtEl>
+                                        <p:attrNameLst>
+                                          <p:attrName>ppt_x</p:attrName>
+                                        </p:attrNameLst>
+                                      </p:cBhvr>
+                                      <p:tavLst>
+                                        <p:tav tm="0">
+                                          <p:val>
+                                            <p:strVal val="#ppt_x"/>
+                                          </p:val>
+                                        </p:tav>
+                                        <p:tav tm="100000">
+                                          <p:val>
+                                            <p:strVal val="#ppt_x"/>
+                                          </p:val>
+                                        </p:tav>
+                                      </p:tavLst>
+                                    </p:anim>
+                                    <p:anim calcmode="lin" valueType="num">
+                                      <p:cBhvr>
+                                        <p:cTn id="9" dur="1000" fill="hold"/>
+                                        <p:tgtEl>
+                                          <p:spTgt spid="2"/>
+                                        </p:tgtEl>
+                                        <p:attrNameLst>
+                                          <p:attrName>ppt_y</p:attrName>
+                                        </p:attrNameLst>
+                                      </p:cBhvr>
+                                      <p:tavLst>
+                                        <p:tav tm="0">
+                                          <p:val>
+                                            <p:strVal val="#ppt_y+.1"/>
+                                          </p:val>
+                                        </p:tav>
+                                        <p:tav tm="100000">
+                                          <p:val>
+                                            <p:strVal val="#ppt_y"/>
+                                          </p:val>
+                                        </p:tav>
+                                      </p:tavLst>
+                                    </p:anim>
+                                  </p:childTnLst>
+                                </p:cTn>
+                              </p:par>
+                            </p:childTnLst>
+                          </p:cTn>
+                        </p:par>
+                      </p:childTnLst>
+                    </p:cTn>
+                  </p:par>
+                  <p:par>
+                    <p:cTn id="10" fill="hold">
+                      <p:stCondLst>
+                        <p:cond delay="indefinite"/>
+                      </p:stCondLst>
+                      <p:childTnLst>
+                        <p:par>
+                          <p:cTn id="11" fill="hold">
+                            <p:stCondLst>
+                              <p:cond delay="0"/>
+                            </p:stCondLst>
+                            <p:childTnLst>
+                              <p:par>
+                                <p:cTn id="12" presetID="55" presetClass="entr" presetSubtype="0" fill="hold" grpId="0" nodeType="clickEffect">
+                                  <p:stCondLst>
+                                    <p:cond delay="0"/>
+                                  </p:stCondLst>
+                                  <p:childTnLst>
+                                    <p:set>
+                                      <p:cBhvr>
+                                        <p:cTn id="13" dur="1" fill="hold">
+                                          <p:stCondLst>
+                                            <p:cond delay="0"/>
+                                          </p:stCondLst>
+                                        </p:cTn>
+                                        <p:tgtEl>
+                                          <p:spTgt spid="3">
+                                            <p:txEl>
+                                              <p:pRg st="1" end="1"/>
+                                            </p:txEl>
+                                          </p:spTgt>
+                                        </p:tgtEl>
+                                        <p:attrNameLst>
+                                          <p:attrName>style.visibility</p:attrName>
+                                        </p:attrNameLst>
+                                      </p:cBhvr>
+                                      <p:to>
+                                        <p:strVal val="visible"/>
+                                      </p:to>
+                                    </p:set>
+                                    <p:anim calcmode="lin" valueType="num">
+                                      <p:cBhvr>
+                                        <p:cTn id="14" dur="750" fill="hold"/>
+                                        <p:tgtEl>
+                                          <p:spTgt spid="3">
+                                            <p:txEl>
+                                              <p:pRg st="1" end="1"/>
+                                            </p:txEl>
+                                          </p:spTgt>
+                                        </p:tgtEl>
+                                        <p:attrNameLst>
+                                          <p:attrName>ppt_w</p:attrName>
+                                        </p:attrNameLst>
+                                      </p:cBhvr>
+                                      <p:tavLst>
+                                        <p:tav tm="0">
+                                          <p:val>
+                                            <p:strVal val="#ppt_w*0.70"/>
+                                          </p:val>
+                                        </p:tav>
+                                        <p:tav tm="100000">
+                                          <p:val>
+                                            <p:strVal val="#ppt_w"/>
+                                          </p:val>
+                                        </p:tav>
+                                      </p:tavLst>
+                                    </p:anim>
+                                    <p:anim calcmode="lin" valueType="num">
+                                      <p:cBhvr>
+                                        <p:cTn id="15" dur="750" fill="hold"/>
+                                        <p:tgtEl>
+                                          <p:spTgt spid="3">
+                                            <p:txEl>
+                                              <p:pRg st="1" end="1"/>
+                                            </p:txEl>
+                                          </p:spTgt>
+                                        </p:tgtEl>
+                                        <p:attrNameLst>
+                                          <p:attrName>ppt_h</p:attrName>
+                                        </p:attrNameLst>
+                                      </p:cBhvr>
+                                      <p:tavLst>
+                                        <p:tav tm="0">
+                                          <p:val>
+                                            <p:strVal val="#ppt_h"/>
+                                          </p:val>
+                                        </p:tav>
+                                        <p:tav tm="100000">
+                                          <p:val>
+                                            <p:strVal val="#ppt_h"/>
+                                          </p:val>
+                                        </p:tav>
+                                      </p:tavLst>
+                                    </p:anim>
+                                    <p:animEffect transition="in" filter="fade">
+                                      <p:cBhvr>
+                                        <p:cTn id="16" dur="750"/>
+                                        <p:tgtEl>
+                                          <p:spTgt spid="3">
+                                            <p:txEl>
+                                              <p:pRg st="1" end="1"/>
+                                            </p:txEl>
+                                          </p:spTgt>
+                                        </p:tgtEl>
+                                      </p:cBhvr>
+                                    </p:animEffect>
+                                  </p:childTnLst>
+                                </p:cTn>
+                              </p:par>
+                            </p:childTnLst>
+                          </p:cTn>
+                        </p:par>
+                      </p:childTnLst>
+                    </p:cTn>
+                  </p:par>
+                  <p:par>
+                    <p:cTn id="17" fill="hold">
+                      <p:stCondLst>
+                        <p:cond delay="indefinite"/>
+                      </p:stCondLst>
+                      <p:childTnLst>
+                        <p:par>
+                          <p:cTn id="18" fill="hold">
+                            <p:stCondLst>
+                              <p:cond delay="0"/>
+                            </p:stCondLst>
+                            <p:childTnLst>
+                              <p:par>
+                                <p:cTn id="19" presetID="55" presetClass="entr" presetSubtype="0" fill="hold" grpId="0" nodeType="clickEffect">
+                                  <p:stCondLst>
+                                    <p:cond delay="0"/>
+                                  </p:stCondLst>
+                                  <p:childTnLst>
+                                    <p:set>
+                                      <p:cBhvr>
+                                        <p:cTn id="20" dur="1" fill="hold">
+                                          <p:stCondLst>
+                                            <p:cond delay="0"/>
+                                          </p:stCondLst>
+                                        </p:cTn>
+                                        <p:tgtEl>
+                                          <p:spTgt spid="3">
+                                            <p:txEl>
+                                              <p:pRg st="3" end="3"/>
+                                            </p:txEl>
+                                          </p:spTgt>
+                                        </p:tgtEl>
+                                        <p:attrNameLst>
+                                          <p:attrName>style.visibility</p:attrName>
+                                        </p:attrNameLst>
+                                      </p:cBhvr>
+                                      <p:to>
+                                        <p:strVal val="visible"/>
+                                      </p:to>
+                                    </p:set>
+                                    <p:anim calcmode="lin" valueType="num">
+                                      <p:cBhvr>
+                                        <p:cTn id="21" dur="750" fill="hold"/>
+                                        <p:tgtEl>
+                                          <p:spTgt spid="3">
+                                            <p:txEl>
+                                              <p:pRg st="3" end="3"/>
+                                            </p:txEl>
+                                          </p:spTgt>
+                                        </p:tgtEl>
+                                        <p:attrNameLst>
+                                          <p:attrName>ppt_w</p:attrName>
+                                        </p:attrNameLst>
+                                      </p:cBhvr>
+                                      <p:tavLst>
+                                        <p:tav tm="0">
+                                          <p:val>
+                                            <p:strVal val="#ppt_w*0.70"/>
+                                          </p:val>
+                                        </p:tav>
+                                        <p:tav tm="100000">
+                                          <p:val>
+                                            <p:strVal val="#ppt_w"/>
+                                          </p:val>
+                                        </p:tav>
+                                      </p:tavLst>
+                                    </p:anim>
+                                    <p:anim calcmode="lin" valueType="num">
+                                      <p:cBhvr>
+                                        <p:cTn id="22" dur="750" fill="hold"/>
+                                        <p:tgtEl>
+                                          <p:spTgt spid="3">
+                                            <p:txEl>
+                                              <p:pRg st="3" end="3"/>
+                                            </p:txEl>
+                                          </p:spTgt>
+                                        </p:tgtEl>
+                                        <p:attrNameLst>
+                                          <p:attrName>ppt_h</p:attrName>
+                                        </p:attrNameLst>
+                                      </p:cBhvr>
+                                      <p:tavLst>
+                                        <p:tav tm="0">
+                                          <p:val>
+                                            <p:strVal val="#ppt_h"/>
+                                          </p:val>
+                                        </p:tav>
+                                        <p:tav tm="100000">
+                                          <p:val>
+                                            <p:strVal val="#ppt_h"/>
+                                          </p:val>
+                                        </p:tav>
+                                      </p:tavLst>
+                                    </p:anim>
+                                    <p:animEffect transition="in" filter="fade">
+                                      <p:cBhvr>
+                                        <p:cTn id="23" dur="750"/>
+                                        <p:tgtEl>
+                                          <p:spTgt spid="3">
+                                            <p:txEl>
+                                              <p:pRg st="3" end="3"/>
+                                            </p:txEl>
+                                          </p:spTgt>
+                                        </p:tgtEl>
+                                      </p:cBhvr>
+                                    </p:animEffect>
+                                  </p:childTnLst>
+                                </p:cTn>
+                              </p:par>
+                            </p:childTnLst>
+                          </p:cTn>
+                        </p:par>
+                      </p:childTnLst>
+                    </p:cTn>
+                  </p:par>
+                  <p:par>
+                    <p:cTn id="24" fill="hold">
+                      <p:stCondLst>
+                        <p:cond delay="indefinite"/>
+                      </p:stCondLst>
+                      <p:childTnLst>
+                        <p:par>
+                          <p:cTn id="25" fill="hold">
+                            <p:stCondLst>
+                              <p:cond delay="0"/>
+                            </p:stCondLst>
+                            <p:childTnLst>
+                              <p:par>
+                                <p:cTn id="26" presetID="55" presetClass="entr" presetSubtype="0" fill="hold" grpId="0" nodeType="clickEffect">
+                                  <p:stCondLst>
+                                    <p:cond delay="0"/>
+                                  </p:stCondLst>
+                                  <p:childTnLst>
+                                    <p:set>
+                                      <p:cBhvr>
+                                        <p:cTn id="27" dur="1" fill="hold">
+                                          <p:stCondLst>
+                                            <p:cond delay="0"/>
+                                          </p:stCondLst>
+                                        </p:cTn>
+                                        <p:tgtEl>
+                                          <p:spTgt spid="3">
+                                            <p:txEl>
+                                              <p:pRg st="5" end="5"/>
+                                            </p:txEl>
+                                          </p:spTgt>
+                                        </p:tgtEl>
+                                        <p:attrNameLst>
+                                          <p:attrName>style.visibility</p:attrName>
+                                        </p:attrNameLst>
+                                      </p:cBhvr>
+                                      <p:to>
+                                        <p:strVal val="visible"/>
+                                      </p:to>
+                                    </p:set>
+                                    <p:anim calcmode="lin" valueType="num">
+                                      <p:cBhvr>
+                                        <p:cTn id="28" dur="750" fill="hold"/>
+                                        <p:tgtEl>
+                                          <p:spTgt spid="3">
+                                            <p:txEl>
+                                              <p:pRg st="5" end="5"/>
+                                            </p:txEl>
+                                          </p:spTgt>
+                                        </p:tgtEl>
+                                        <p:attrNameLst>
+                                          <p:attrName>ppt_w</p:attrName>
+                                        </p:attrNameLst>
+                                      </p:cBhvr>
+                                      <p:tavLst>
+                                        <p:tav tm="0">
+                                          <p:val>
+                                            <p:strVal val="#ppt_w*0.70"/>
+                                          </p:val>
+                                        </p:tav>
+                                        <p:tav tm="100000">
+                                          <p:val>
+                                            <p:strVal val="#ppt_w"/>
+                                          </p:val>
+                                        </p:tav>
+                                      </p:tavLst>
+                                    </p:anim>
+                                    <p:anim calcmode="lin" valueType="num">
+                                      <p:cBhvr>
+                                        <p:cTn id="29" dur="750" fill="hold"/>
+                                        <p:tgtEl>
+                                          <p:spTgt spid="3">
+                                            <p:txEl>
+                                              <p:pRg st="5" end="5"/>
+                                            </p:txEl>
+                                          </p:spTgt>
+                                        </p:tgtEl>
+                                        <p:attrNameLst>
+                                          <p:attrName>ppt_h</p:attrName>
+                                        </p:attrNameLst>
+                                      </p:cBhvr>
+                                      <p:tavLst>
+                                        <p:tav tm="0">
+                                          <p:val>
+                                            <p:strVal val="#ppt_h"/>
+                                          </p:val>
+                                        </p:tav>
+                                        <p:tav tm="100000">
+                                          <p:val>
+                                            <p:strVal val="#ppt_h"/>
+                                          </p:val>
+                                        </p:tav>
+                                      </p:tavLst>
+                                    </p:anim>
+                                    <p:animEffect transition="in" filter="fade">
+                                      <p:cBhvr>
+                                        <p:cTn id="30" dur="750"/>
+                                        <p:tgtEl>
+                                          <p:spTgt spid="3">
+                                            <p:txEl>
+                                              <p:pRg st="5" end="5"/>
+                                            </p:txEl>
+                                          </p:spTgt>
+                                        </p:tgtEl>
+                                      </p:cBhvr>
+                                    </p:animEffect>
+                                  </p:childTnLst>
+                                </p:cTn>
+                              </p:par>
+                            </p:childTnLst>
+                          </p:cTn>
+                        </p:par>
+                      </p:childTnLst>
+                    </p:cTn>
+                  </p:par>
+                  <p:par>
+                    <p:cTn id="31" fill="hold">
+                      <p:stCondLst>
+                        <p:cond delay="indefinite"/>
+                      </p:stCondLst>
+                      <p:childTnLst>
+                        <p:par>
+                          <p:cTn id="32" fill="hold">
+                            <p:stCondLst>
+                              <p:cond delay="0"/>
+                            </p:stCondLst>
+                            <p:childTnLst>
+                              <p:par>
+                                <p:cTn id="33" presetID="55" presetClass="entr" presetSubtype="0" fill="hold" grpId="0" nodeType="clickEffect">
+                                  <p:stCondLst>
+                                    <p:cond delay="0"/>
+                                  </p:stCondLst>
+                                  <p:childTnLst>
+                                    <p:set>
+                                      <p:cBhvr>
+                                        <p:cTn id="34" dur="1" fill="hold">
+                                          <p:stCondLst>
+                                            <p:cond delay="0"/>
+                                          </p:stCondLst>
+                                        </p:cTn>
+                                        <p:tgtEl>
+                                          <p:spTgt spid="3">
+                                            <p:txEl>
+                                              <p:pRg st="7" end="7"/>
+                                            </p:txEl>
+                                          </p:spTgt>
+                                        </p:tgtEl>
+                                        <p:attrNameLst>
+                                          <p:attrName>style.visibility</p:attrName>
+                                        </p:attrNameLst>
+                                      </p:cBhvr>
+                                      <p:to>
+                                        <p:strVal val="visible"/>
+                                      </p:to>
+                                    </p:set>
+                                    <p:anim calcmode="lin" valueType="num">
+                                      <p:cBhvr>
+                                        <p:cTn id="35" dur="750" fill="hold"/>
+                                        <p:tgtEl>
+                                          <p:spTgt spid="3">
+                                            <p:txEl>
+                                              <p:pRg st="7" end="7"/>
+                                            </p:txEl>
+                                          </p:spTgt>
+                                        </p:tgtEl>
+                                        <p:attrNameLst>
+                                          <p:attrName>ppt_w</p:attrName>
+                                        </p:attrNameLst>
+                                      </p:cBhvr>
+                                      <p:tavLst>
+                                        <p:tav tm="0">
+                                          <p:val>
+                                            <p:strVal val="#ppt_w*0.70"/>
+                                          </p:val>
+                                        </p:tav>
+                                        <p:tav tm="100000">
+                                          <p:val>
+                                            <p:strVal val="#ppt_w"/>
+                                          </p:val>
+                                        </p:tav>
+                                      </p:tavLst>
+                                    </p:anim>
+                                    <p:anim calcmode="lin" valueType="num">
+                                      <p:cBhvr>
+                                        <p:cTn id="36" dur="750" fill="hold"/>
+                                        <p:tgtEl>
+                                          <p:spTgt spid="3">
+                                            <p:txEl>
+                                              <p:pRg st="7" end="7"/>
+                                            </p:txEl>
+                                          </p:spTgt>
+                                        </p:tgtEl>
+                                        <p:attrNameLst>
+                                          <p:attrName>ppt_h</p:attrName>
+                                        </p:attrNameLst>
+                                      </p:cBhvr>
+                                      <p:tavLst>
+                                        <p:tav tm="0">
+                                          <p:val>
+                                            <p:strVal val="#ppt_h"/>
+                                          </p:val>
+                                        </p:tav>
+                                        <p:tav tm="100000">
+                                          <p:val>
+                                            <p:strVal val="#ppt_h"/>
+                                          </p:val>
+                                        </p:tav>
+                                      </p:tavLst>
+                                    </p:anim>
+                                    <p:animEffect transition="in" filter="fade">
+                                      <p:cBhvr>
+                                        <p:cTn id="37" dur="750"/>
+                                        <p:tgtEl>
+                                          <p:spTgt spid="3">
+                                            <p:txEl>
+                                              <p:pRg st="7" end="7"/>
+                                            </p:txEl>
+                                          </p:spTgt>
+                                        </p:tgtEl>
+                                      </p:cBhvr>
+                                    </p:animEffect>
+                                  </p:childTnLst>
+                                </p:cTn>
+                              </p:par>
+                            </p:childTnLst>
+                          </p:cTn>
+                        </p:par>
+                      </p:childTnLst>
+                    </p:cTn>
+                  </p:par>
+                  <p:par>
+                    <p:cTn id="38" fill="hold">
+                      <p:stCondLst>
+                        <p:cond delay="indefinite"/>
+                      </p:stCondLst>
+                      <p:childTnLst>
+                        <p:par>
+                          <p:cTn id="39" fill="hold">
+                            <p:stCondLst>
+                              <p:cond delay="0"/>
+                            </p:stCondLst>
+                            <p:childTnLst>
+                              <p:par>
+                                <p:cTn id="40" presetID="55" presetClass="entr" presetSubtype="0" fill="hold" grpId="0" nodeType="clickEffect">
+                                  <p:stCondLst>
+                                    <p:cond delay="0"/>
+                                  </p:stCondLst>
+                                  <p:childTnLst>
+                                    <p:set>
+                                      <p:cBhvr>
+                                        <p:cTn id="41" dur="1" fill="hold">
+                                          <p:stCondLst>
+                                            <p:cond delay="0"/>
+                                          </p:stCondLst>
+                                        </p:cTn>
+                                        <p:tgtEl>
+                                          <p:spTgt spid="3">
+                                            <p:txEl>
+                                              <p:pRg st="9" end="9"/>
+                                            </p:txEl>
+                                          </p:spTgt>
+                                        </p:tgtEl>
+                                        <p:attrNameLst>
+                                          <p:attrName>style.visibility</p:attrName>
+                                        </p:attrNameLst>
+                                      </p:cBhvr>
+                                      <p:to>
+                                        <p:strVal val="visible"/>
+                                      </p:to>
+                                    </p:set>
+                                    <p:anim calcmode="lin" valueType="num">
+                                      <p:cBhvr>
+                                        <p:cTn id="42" dur="750" fill="hold"/>
+                                        <p:tgtEl>
+                                          <p:spTgt spid="3">
+                                            <p:txEl>
+                                              <p:pRg st="9" end="9"/>
+                                            </p:txEl>
+                                          </p:spTgt>
+                                        </p:tgtEl>
+                                        <p:attrNameLst>
+                                          <p:attrName>ppt_w</p:attrName>
+                                        </p:attrNameLst>
+                                      </p:cBhvr>
+                                      <p:tavLst>
+                                        <p:tav tm="0">
+                                          <p:val>
+                                            <p:strVal val="#ppt_w*0.70"/>
+                                          </p:val>
+                                        </p:tav>
+                                        <p:tav tm="100000">
+                                          <p:val>
+                                            <p:strVal val="#ppt_w"/>
+                                          </p:val>
+                                        </p:tav>
+                                      </p:tavLst>
+                                    </p:anim>
+                                    <p:anim calcmode="lin" valueType="num">
+                                      <p:cBhvr>
+                                        <p:cTn id="43" dur="750" fill="hold"/>
+                                        <p:tgtEl>
+                                          <p:spTgt spid="3">
+                                            <p:txEl>
+                                              <p:pRg st="9" end="9"/>
+                                            </p:txEl>
+                                          </p:spTgt>
+                                        </p:tgtEl>
+                                        <p:attrNameLst>
+                                          <p:attrName>ppt_h</p:attrName>
+                                        </p:attrNameLst>
+                                      </p:cBhvr>
+                                      <p:tavLst>
+                                        <p:tav tm="0">
+                                          <p:val>
+                                            <p:strVal val="#ppt_h"/>
+                                          </p:val>
+                                        </p:tav>
+                                        <p:tav tm="100000">
+                                          <p:val>
+                                            <p:strVal val="#ppt_h"/>
+                                          </p:val>
+                                        </p:tav>
+                                      </p:tavLst>
+                                    </p:anim>
+                                    <p:animEffect transition="in" filter="fade">
+                                      <p:cBhvr>
+                                        <p:cTn id="44" dur="750"/>
+                                        <p:tgtEl>
+                                          <p:spTgt spid="3">
+                                            <p:txEl>
+                                              <p:pRg st="9" end="9"/>
+                                            </p:txEl>
+                                          </p:spTgt>
+                                        </p:tgtEl>
+                                      </p:cBhvr>
+                                    </p:animEffect>
+                                  </p:childTnLst>
+                                </p:cTn>
+                              </p:par>
+                            </p:childTnLst>
+                          </p:cTn>
+                        </p:par>
+                      </p:childTnLst>
+                    </p:cTn>
+                  </p:par>
+                  <p:par>
+                    <p:cTn id="45" fill="hold">
+                      <p:stCondLst>
+                        <p:cond delay="indefinite"/>
+                      </p:stCondLst>
+                      <p:childTnLst>
+                        <p:par>
+                          <p:cTn id="46" fill="hold">
+                            <p:stCondLst>
+                              <p:cond delay="0"/>
+                            </p:stCondLst>
+                            <p:childTnLst>
+                              <p:par>
+                                <p:cTn id="47" presetID="55" presetClass="entr" presetSubtype="0" fill="hold" grpId="0" nodeType="clickEffect">
+                                  <p:stCondLst>
+                                    <p:cond delay="0"/>
+                                  </p:stCondLst>
+                                  <p:childTnLst>
+                                    <p:set>
+                                      <p:cBhvr>
+                                        <p:cTn id="48" dur="1" fill="hold">
+                                          <p:stCondLst>
+                                            <p:cond delay="0"/>
+                                          </p:stCondLst>
+                                        </p:cTn>
+                                        <p:tgtEl>
+                                          <p:spTgt spid="3">
+                                            <p:txEl>
+                                              <p:pRg st="11" end="11"/>
+                                            </p:txEl>
+                                          </p:spTgt>
+                                        </p:tgtEl>
+                                        <p:attrNameLst>
+                                          <p:attrName>style.visibility</p:attrName>
+                                        </p:attrNameLst>
+                                      </p:cBhvr>
+                                      <p:to>
+                                        <p:strVal val="visible"/>
+                                      </p:to>
+                                    </p:set>
+                                    <p:anim calcmode="lin" valueType="num">
+                                      <p:cBhvr>
+                                        <p:cTn id="49" dur="750" fill="hold"/>
+                                        <p:tgtEl>
+                                          <p:spTgt spid="3">
+                                            <p:txEl>
+                                              <p:pRg st="11" end="11"/>
+                                            </p:txEl>
+                                          </p:spTgt>
+                                        </p:tgtEl>
+                                        <p:attrNameLst>
+                                          <p:attrName>ppt_w</p:attrName>
+                                        </p:attrNameLst>
+                                      </p:cBhvr>
+                                      <p:tavLst>
+                                        <p:tav tm="0">
+                                          <p:val>
+                                            <p:strVal val="#ppt_w*0.70"/>
+                                          </p:val>
+                                        </p:tav>
+                                        <p:tav tm="100000">
+                                          <p:val>
+                                            <p:strVal val="#ppt_w"/>
+                                          </p:val>
+                                        </p:tav>
+                                      </p:tavLst>
+                                    </p:anim>
+                                    <p:anim calcmode="lin" valueType="num">
+                                      <p:cBhvr>
+                                        <p:cTn id="50" dur="750" fill="hold"/>
+                                        <p:tgtEl>
+                                          <p:spTgt spid="3">
+                                            <p:txEl>
+                                              <p:pRg st="11" end="11"/>
+                                            </p:txEl>
+                                          </p:spTgt>
+                                        </p:tgtEl>
+                                        <p:attrNameLst>
+                                          <p:attrName>ppt_h</p:attrName>
+                                        </p:attrNameLst>
+                                      </p:cBhvr>
+                                      <p:tavLst>
+                                        <p:tav tm="0">
+                                          <p:val>
+                                            <p:strVal val="#ppt_h"/>
+                                          </p:val>
+                                        </p:tav>
+                                        <p:tav tm="100000">
+                                          <p:val>
+                                            <p:strVal val="#ppt_h"/>
+                                          </p:val>
+                                        </p:tav>
+                                      </p:tavLst>
+                                    </p:anim>
+                                    <p:animEffect transition="in" filter="fade">
+                                      <p:cBhvr>
+                                        <p:cTn id="51" dur="750"/>
+                                        <p:tgtEl>
+                                          <p:spTgt spid="3">
+                                            <p:txEl>
+                                              <p:pRg st="11" end="11"/>
+                                            </p:txEl>
+                                          </p:spTgt>
+                                        </p:tgtEl>
+                                      </p:cBhvr>
+                                    </p:animEffect>
+                                  </p:childTnLst>
+                                </p:cTn>
+                              </p:par>
+                            </p:childTnLst>
+                          </p:cTn>
+                        </p:par>
+                      </p:childTnLst>
+                    </p:cTn>
+                  </p:par>
+                </p:childTnLst>
+              </p:cTn>
+              <p:prevCondLst>
+                <p:cond evt="onPrev" delay="0">
+                  <p:tgtEl>
+                    <p:sldTgt/>
+                  </p:tgtEl>
+                </p:cond>
+              </p:prevCondLst>
+              <p:nextCondLst>
+                <p:cond evt="onNext" delay="0">
+                  <p:tgtEl>
+                    <p:sldTgt/>
+                  </p:tgtEl>
+                </p:cond>
+              </p:nextCondLst>
+            </p:seq>
+          </p:childTnLst>
+        </p:cTn>
+      </p:par>
+    </p:tnLst>
+    <p:bldLst>
+      <p:bldP spid="2" grpId="0"/>
+      <p:bldP spid="3" grpId="0" build="p"/>
+    </p:bldLst>
+  </p:timing>
+</p:sld>
+</file>
+
+<file path=ppt/slides/slide6.xml><?xml version="1.0" encoding="utf-8"?>
+<p:sld xmlns:a="http://schemas.openxmlformats.org/drawingml/2006/main" xmlns:r="http://schemas.openxmlformats.org/officeDocument/2006/relationships" xmlns:p="http://schemas.openxmlformats.org/presentationml/2006/main">
+  <p:cSld>
+    <p:spTree>
+      <p:nvGrpSpPr>
+        <p:cNvPr id="1" name=""/>
+        <p:cNvGrpSpPr/>
+        <p:nvPr/>
+      </p:nvGrpSpPr>
+      <p:grpSpPr>
+        <a:xfrm>
+          <a:off x="0" y="0"/>
+          <a:ext cx="0" cy="0"/>
+          <a:chOff x="0" y="0"/>
+          <a:chExt cx="0" cy="0"/>
+        </a:xfrm>
+      </p:grpSpPr>
+      <p:sp>
+        <p:nvSpPr>
+          <p:cNvPr id="2" name="TextBox 1"/>
+          <p:cNvSpPr txBox="1"/>
+          <p:nvPr/>
+        </p:nvSpPr>
+        <p:spPr>
+          <a:xfrm>
+            <a:off x="304800" y="263611"/>
+            <a:ext cx="8814486" cy="5355312"/>
+          </a:xfrm>
+          <a:prstGeom prst="rect">
+            <a:avLst/>
+          </a:prstGeom>
+          <a:noFill/>
+        </p:spPr>
+        <p:txBody>
+          <a:bodyPr wrap="square" rtlCol="0">
+            <a:spAutoFit/>
+          </a:bodyPr>
+          <a:lstStyle/>
+          <a:p>
+            <a:r>
+              <a:rPr lang="en-US" dirty="0"/>
+              <a:t>Hackers can be classified into different categories such </a:t>
+            </a:r>
+            <a:r>
+              <a:rPr lang="en-US" dirty="0" smtClean="0"/>
+              <a:t>as :</a:t>
+            </a:r>
+          </a:p>
+          <a:p>
+            <a:endParaRPr lang="en-US" b="1" i="1" dirty="0" smtClean="0"/>
+          </a:p>
+          <a:p>
+            <a:r>
+              <a:rPr lang="en-US" b="1" i="1" dirty="0" smtClean="0"/>
+              <a:t>white </a:t>
+            </a:r>
+            <a:r>
+              <a:rPr lang="en-US" b="1" i="1" dirty="0"/>
+              <a:t>hat</a:t>
+            </a:r>
+            <a:r>
+              <a:rPr lang="en-US" dirty="0"/>
+              <a:t>, </a:t>
+            </a:r>
+            <a:r>
+              <a:rPr lang="en-US" dirty="0" smtClean="0"/>
+              <a:t>             Ethical Hackers</a:t>
+            </a:r>
+          </a:p>
+          <a:p>
+            <a:endParaRPr lang="en-US" b="1" i="1" dirty="0" smtClean="0"/>
+          </a:p>
+          <a:p>
+            <a:r>
+              <a:rPr lang="en-US" b="1" i="1" dirty="0" smtClean="0"/>
+              <a:t>black hat</a:t>
+            </a:r>
+            <a:r>
+              <a:rPr lang="en-US" dirty="0" smtClean="0"/>
+              <a:t>,             Crackers</a:t>
+            </a:r>
+          </a:p>
+          <a:p>
+            <a:endParaRPr lang="en-US" b="1" i="1" dirty="0" smtClean="0"/>
+          </a:p>
+          <a:p>
+            <a:r>
+              <a:rPr lang="en-US" b="1" i="1" dirty="0" smtClean="0"/>
+              <a:t>grey hat</a:t>
+            </a:r>
+            <a:r>
+              <a:rPr lang="en-US" dirty="0" smtClean="0"/>
+              <a:t>,               Blend of both</a:t>
+            </a:r>
+          </a:p>
+          <a:p>
+            <a:endParaRPr lang="en-US" dirty="0" smtClean="0"/>
+          </a:p>
+          <a:p>
+            <a:endParaRPr lang="en-US" dirty="0"/>
+          </a:p>
+          <a:p>
+            <a:r>
+              <a:rPr lang="en-US" dirty="0" smtClean="0"/>
+              <a:t>based </a:t>
+            </a:r>
+            <a:r>
+              <a:rPr lang="en-US" dirty="0"/>
+              <a:t>on their </a:t>
+            </a:r>
+            <a:r>
+              <a:rPr lang="en-US" b="1" dirty="0"/>
+              <a:t>intent of hacking a system</a:t>
+            </a:r>
+            <a:r>
+              <a:rPr lang="en-US" dirty="0" smtClean="0"/>
+              <a:t>.</a:t>
+            </a:r>
+          </a:p>
+          <a:p>
+            <a:endParaRPr lang="en-US" dirty="0"/>
+          </a:p>
+          <a:p>
+            <a:endParaRPr lang="en-US" dirty="0" smtClean="0"/>
+          </a:p>
+          <a:p>
+            <a:endParaRPr lang="en-US" dirty="0"/>
+          </a:p>
+          <a:p>
+            <a:r>
+              <a:rPr lang="en-US" dirty="0" smtClean="0"/>
+              <a:t>These </a:t>
+            </a:r>
+            <a:r>
+              <a:rPr lang="en-US" dirty="0"/>
+              <a:t>different terms come </a:t>
+            </a:r>
+            <a:r>
+              <a:rPr lang="en-US" dirty="0" smtClean="0"/>
+              <a:t>from</a:t>
+            </a:r>
+          </a:p>
+          <a:p>
+            <a:endParaRPr lang="en-US" b="1" i="1" dirty="0" smtClean="0"/>
+          </a:p>
+          <a:p>
+            <a:r>
+              <a:rPr lang="en-US" b="1" i="1" dirty="0" smtClean="0"/>
+              <a:t>old </a:t>
+            </a:r>
+            <a:r>
+              <a:rPr lang="en-US" b="1" i="1" dirty="0"/>
+              <a:t>Spaghetti </a:t>
+            </a:r>
+            <a:r>
+              <a:rPr lang="en-US" b="1" i="1" dirty="0" smtClean="0"/>
+              <a:t>Westerns</a:t>
+            </a:r>
+            <a:r>
+              <a:rPr lang="en-US" dirty="0" smtClean="0"/>
+              <a:t>,</a:t>
+            </a:r>
+          </a:p>
+          <a:p>
+            <a:endParaRPr lang="en-US" dirty="0"/>
+          </a:p>
+          <a:p>
+            <a:r>
+              <a:rPr lang="en-US" dirty="0" smtClean="0"/>
+              <a:t>where </a:t>
+            </a:r>
+            <a:r>
+              <a:rPr lang="en-US" dirty="0"/>
+              <a:t>the bad guy wears a black cowboy hat and the good guy wears a white hat. </a:t>
+            </a:r>
+            <a:endParaRPr lang="en-CA" dirty="0"/>
+          </a:p>
+        </p:txBody>
+      </p:sp>
+      <p:sp>
+        <p:nvSpPr>
+          <p:cNvPr id="3" name="Right Arrow 2"/>
+          <p:cNvSpPr/>
+          <p:nvPr/>
+        </p:nvSpPr>
+        <p:spPr>
+          <a:xfrm>
+            <a:off x="1573427" y="980303"/>
+            <a:ext cx="494270" cy="123567"/>
+          </a:xfrm>
+          <a:prstGeom prst="rightArrow">
+            <a:avLst/>
+          </a:prstGeom>
+        </p:spPr>
+        <p:style>
+          <a:lnRef idx="2">
+            <a:schemeClr val="accent1">
+              <a:shade val="50000"/>
+            </a:schemeClr>
+          </a:lnRef>
+          <a:fillRef idx="1">
+            <a:schemeClr val="accent1"/>
+          </a:fillRef>
+          <a:effectRef idx="0">
+            <a:schemeClr val="accent1"/>
+          </a:effectRef>
+          <a:fontRef idx="minor">
+            <a:schemeClr val="lt1"/>
+          </a:fontRef>
+        </p:style>
+        <p:txBody>
+          <a:bodyPr rtlCol="0" anchor="ctr"/>
+          <a:lstStyle/>
+          <a:p>
+            <a:pPr algn="ctr"/>
+            <a:endParaRPr lang="en-CA"/>
+          </a:p>
+        </p:txBody>
+      </p:sp>
+      <p:sp>
+        <p:nvSpPr>
+          <p:cNvPr id="5" name="Right Arrow 4"/>
+          <p:cNvSpPr/>
+          <p:nvPr/>
+        </p:nvSpPr>
+        <p:spPr>
+          <a:xfrm>
+            <a:off x="1573427" y="1507524"/>
+            <a:ext cx="494270" cy="123568"/>
+          </a:xfrm>
+          <a:prstGeom prst="rightArrow">
+            <a:avLst/>
+          </a:prstGeom>
+        </p:spPr>
+        <p:style>
+          <a:lnRef idx="2">
+            <a:schemeClr val="accent1">
+              <a:shade val="50000"/>
+            </a:schemeClr>
+          </a:lnRef>
+          <a:fillRef idx="1">
+            <a:schemeClr val="accent1"/>
+          </a:fillRef>
+          <a:effectRef idx="0">
+            <a:schemeClr val="accent1"/>
+          </a:effectRef>
+          <a:fontRef idx="minor">
+            <a:schemeClr val="lt1"/>
+          </a:fontRef>
+        </p:style>
+        <p:txBody>
+          <a:bodyPr rtlCol="0" anchor="ctr"/>
+          <a:lstStyle/>
+          <a:p>
+            <a:pPr algn="ctr"/>
+            <a:endParaRPr lang="en-CA"/>
+          </a:p>
+        </p:txBody>
+      </p:sp>
+      <p:sp>
+        <p:nvSpPr>
+          <p:cNvPr id="6" name="Right Arrow 5"/>
+          <p:cNvSpPr/>
+          <p:nvPr/>
+        </p:nvSpPr>
+        <p:spPr>
+          <a:xfrm>
+            <a:off x="1573427" y="2067697"/>
+            <a:ext cx="494270" cy="140044"/>
+          </a:xfrm>
+          <a:prstGeom prst="rightArrow">
+            <a:avLst/>
+          </a:prstGeom>
+        </p:spPr>
+        <p:style>
+          <a:lnRef idx="2">
+            <a:schemeClr val="accent1">
+              <a:shade val="50000"/>
+            </a:schemeClr>
+          </a:lnRef>
+          <a:fillRef idx="1">
+            <a:schemeClr val="accent1"/>
+          </a:fillRef>
+          <a:effectRef idx="0">
+            <a:schemeClr val="accent1"/>
+          </a:effectRef>
+          <a:fontRef idx="minor">
+            <a:schemeClr val="lt1"/>
+          </a:fontRef>
+        </p:style>
+        <p:txBody>
+          <a:bodyPr rtlCol="0" anchor="ctr"/>
+          <a:lstStyle/>
+          <a:p>
+            <a:pPr algn="ctr"/>
+            <a:endParaRPr lang="en-CA"/>
+          </a:p>
+        </p:txBody>
+      </p:sp>
+    </p:spTree>
+    <p:extLst>
+      <p:ext uri="{BB962C8B-B14F-4D97-AF65-F5344CB8AC3E}">
+        <p14:creationId xmlns:p14="http://schemas.microsoft.com/office/powerpoint/2010/main" val="3160275692"/>
+      </p:ext>
+    </p:extLst>
+  </p:cSld>
+  <p:clrMapOvr>
+    <a:masterClrMapping/>
+  </p:clrMapOvr>
+  <p:timing>
+    <p:tnLst>
+      <p:par>
+        <p:cTn id="1" dur="indefinite" restart="never" nodeType="tmRoot">
+          <p:childTnLst>
+            <p:seq concurrent="1" nextAc="seek">
+              <p:cTn id="2" dur="indefinite" nodeType="mainSeq">
+                <p:childTnLst>
+                  <p:par>
+                    <p:cTn id="3" fill="hold">
+                      <p:stCondLst>
+                        <p:cond delay="indefinite"/>
+                      </p:stCondLst>
+                      <p:childTnLst>
+                        <p:par>
+                          <p:cTn id="4" fill="hold">
+                            <p:stCondLst>
+                              <p:cond delay="0"/>
+                            </p:stCondLst>
+                            <p:childTnLst>
+                              <p:par>
+                                <p:cTn id="5" presetID="10" presetClass="entr" presetSubtype="0" fill="hold" grpId="0" nodeType="clickEffect">
+                                  <p:stCondLst>
+                                    <p:cond delay="0"/>
+                                  </p:stCondLst>
+                                  <p:childTnLst>
+                                    <p:set>
+                                      <p:cBhvr>
+                                        <p:cTn id="6" dur="1" fill="hold">
+                                          <p:stCondLst>
+                                            <p:cond delay="0"/>
+                                          </p:stCondLst>
+                                        </p:cTn>
+                                        <p:tgtEl>
+                                          <p:spTgt spid="2"/>
+                                        </p:tgtEl>
+                                        <p:attrNameLst>
+                                          <p:attrName>style.visibility</p:attrName>
+                                        </p:attrNameLst>
+                                      </p:cBhvr>
+                                      <p:to>
+                                        <p:strVal val="visible"/>
+                                      </p:to>
+                                    </p:set>
+                                    <p:animEffect transition="in" filter="fade">
+                                      <p:cBhvr>
+                                        <p:cTn id="7" dur="500"/>
+                                        <p:tgtEl>
+                                          <p:spTgt spid="2"/>
+                                        </p:tgtEl>
+                                      </p:cBhvr>
+                                    </p:animEffect>
+                                  </p:childTnLst>
+                                </p:cTn>
+                              </p:par>
+                            </p:childTnLst>
+                          </p:cTn>
+                        </p:par>
+                      </p:childTnLst>
+                    </p:cTn>
+                  </p:par>
+                </p:childTnLst>
+              </p:cTn>
+              <p:prevCondLst>
+                <p:cond evt="onPrev" delay="0">
+                  <p:tgtEl>
+                    <p:sldTgt/>
+                  </p:tgtEl>
+                </p:cond>
+              </p:prevCondLst>
+              <p:nextCondLst>
+                <p:cond evt="onNext" delay="0">
+                  <p:tgtEl>
+                    <p:sldTgt/>
+                  </p:tgtEl>
+                </p:cond>
+              </p:nextCondLst>
+            </p:seq>
+          </p:childTnLst>
+        </p:cTn>
+      </p:par>
+    </p:tnLst>
+    <p:bldLst>
+      <p:bldP spid="2" grpId="0"/>
+    </p:bldLst>
+  </p:timing>
+</p:sld>
+</file>
+
+<file path=ppt/slides/slide7.xml><?xml version="1.0" encoding="utf-8"?>
+<p:sld xmlns:a="http://schemas.openxmlformats.org/drawingml/2006/main" xmlns:r="http://schemas.openxmlformats.org/officeDocument/2006/relationships" xmlns:p="http://schemas.openxmlformats.org/presentationml/2006/main">
+  <p:cSld>
+    <p:spTree>
+      <p:nvGrpSpPr>
+        <p:cNvPr id="1" name=""/>
+        <p:cNvGrpSpPr/>
+        <p:nvPr/>
+      </p:nvGrpSpPr>
+      <p:grpSpPr>
+        <a:xfrm>
+          <a:off x="0" y="0"/>
+          <a:ext cx="0" cy="0"/>
+          <a:chOff x="0" y="0"/>
+          <a:chExt cx="0" cy="0"/>
+        </a:xfrm>
+      </p:grpSpPr>
+      <p:sp>
+        <p:nvSpPr>
+          <p:cNvPr id="2" name="Title 1"/>
+          <p:cNvSpPr>
+            <a:spLocks noGrp="1"/>
+          </p:cNvSpPr>
+          <p:nvPr>
+            <p:ph type="title"/>
+          </p:nvPr>
+        </p:nvSpPr>
+        <p:spPr>
+          <a:xfrm>
+            <a:off x="2307066" y="2485537"/>
+            <a:ext cx="8534400" cy="1507067"/>
+          </a:xfrm>
+        </p:spPr>
+        <p:txBody>
+          <a:bodyPr/>
+          <a:lstStyle/>
+          <a:p>
+            <a:r>
+              <a:rPr lang="en-CA" dirty="0" smtClean="0">
+                <a:latin typeface="Algerian" panose="04020705040A02060702" pitchFamily="82" charset="0"/>
+              </a:rPr>
+              <a:t>Thank you for following me</a:t>
+            </a:r>
+            <a:endParaRPr lang="en-CA" dirty="0">
+              <a:latin typeface="Algerian" panose="04020705040A02060702" pitchFamily="82" charset="0"/>
+            </a:endParaRPr>
+          </a:p>
+        </p:txBody>
+      </p:sp>
+    </p:spTree>
+    <p:extLst>
+      <p:ext uri="{BB962C8B-B14F-4D97-AF65-F5344CB8AC3E}">
+        <p14:creationId xmlns:p14="http://schemas.microsoft.com/office/powerpoint/2010/main" val="1972874026"/>
+      </p:ext>
+    </p:extLst>
+  </p:cSld>
+  <p:clrMapOvr>
+    <a:masterClrMapping/>
+  </p:clrMapOvr>
+  <p:timing>
+    <p:tnLst>
+      <p:par>
+        <p:cTn id="1" dur="indefinite" restart="never" nodeType="tmRoot">
+          <p:childTnLst>
+            <p:seq concurrent="1" nextAc="seek">
+              <p:cTn id="2" dur="indefinite" nodeType="mainSeq">
+                <p:childTnLst>
+                  <p:par>
+                    <p:cTn id="3" fill="hold">
+                      <p:stCondLst>
+                        <p:cond delay="indefinite"/>
+                      </p:stCondLst>
+                      <p:childTnLst>
+                        <p:par>
+                          <p:cTn id="4" fill="hold">
+                            <p:stCondLst>
+                              <p:cond delay="0"/>
+                            </p:stCondLst>
+                            <p:childTnLst>
+                              <p:par>
+                                <p:cTn id="5" presetID="38" presetClass="entr" presetSubtype="0" accel="50000" fill="hold" grpId="0" nodeType="clickEffect">
+                                  <p:stCondLst>
+                                    <p:cond delay="0"/>
+                                  </p:stCondLst>
+                                  <p:iterate type="lt">
+                                    <p:tmPct val="47756"/>
+                                  </p:iterate>
+                                  <p:childTnLst>
+                                    <p:set>
+                                      <p:cBhvr>
+                                        <p:cTn id="6" dur="1" fill="hold">
+                                          <p:stCondLst>
+                                            <p:cond delay="0"/>
+                                          </p:stCondLst>
+                                        </p:cTn>
+                                        <p:tgtEl>
+                                          <p:spTgt spid="2"/>
+                                        </p:tgtEl>
+                                        <p:attrNameLst>
+                                          <p:attrName>style.visibility</p:attrName>
+                                        </p:attrNameLst>
+                                      </p:cBhvr>
+                                      <p:to>
+                                        <p:strVal val="visible"/>
+                                      </p:to>
+                                    </p:set>
+                                    <p:set>
+                                      <p:cBhvr>
+                                        <p:cTn id="7" dur="135" fill="hold">
+                                          <p:stCondLst>
+                                            <p:cond delay="0"/>
+                                          </p:stCondLst>
+                                        </p:cTn>
+                                        <p:tgtEl>
+                                          <p:spTgt spid="2"/>
+                                        </p:tgtEl>
+                                        <p:attrNameLst>
+                                          <p:attrName>style.rotation</p:attrName>
+                                        </p:attrNameLst>
+                                      </p:cBhvr>
+                                      <p:to>
+                                        <p:strVal val="-45.0"/>
+                                      </p:to>
+                                    </p:set>
+                                    <p:anim calcmode="lin" valueType="num">
+                                      <p:cBhvr>
+                                        <p:cTn id="8" dur="135" fill="hold">
+                                          <p:stCondLst>
+                                            <p:cond delay="135"/>
+                                          </p:stCondLst>
+                                        </p:cTn>
+                                        <p:tgtEl>
+                                          <p:spTgt spid="2"/>
+                                        </p:tgtEl>
+                                        <p:attrNameLst>
+                                          <p:attrName>style.rotation</p:attrName>
+                                        </p:attrNameLst>
+                                      </p:cBhvr>
+                                      <p:tavLst>
+                                        <p:tav tm="0">
+                                          <p:val>
+                                            <p:fltVal val="-45"/>
+                                          </p:val>
+                                        </p:tav>
+                                        <p:tav tm="69900">
+                                          <p:val>
+                                            <p:fltVal val="45"/>
+                                          </p:val>
+                                        </p:tav>
+                                        <p:tav tm="100000">
+                                          <p:val>
+                                            <p:fltVal val="0"/>
+                                          </p:val>
+                                        </p:tav>
+                                      </p:tavLst>
+                                    </p:anim>
+                                    <p:anim calcmode="lin" valueType="num">
+                                      <p:cBhvr>
+                                        <p:cTn id="9" dur="135" fill="hold">
+                                          <p:stCondLst>
+                                            <p:cond delay="0"/>
+                                          </p:stCondLst>
+                                        </p:cTn>
+                                        <p:tgtEl>
+                                          <p:spTgt spid="2"/>
+                                        </p:tgtEl>
+                                        <p:attrNameLst>
+                                          <p:attrName>ppt_y</p:attrName>
+                                        </p:attrNameLst>
+                                      </p:cBhvr>
+                                      <p:tavLst>
+                                        <p:tav tm="0">
+                                          <p:val>
+                                            <p:strVal val="#ppt_y-1"/>
+                                          </p:val>
+                                        </p:tav>
+                                        <p:tav tm="100000">
+                                          <p:val>
+                                            <p:strVal val="#ppt_y-(0.354*#ppt_w-0.172*#ppt_h)"/>
+                                          </p:val>
+                                        </p:tav>
+                                      </p:tavLst>
+                                    </p:anim>
+                                    <p:anim calcmode="lin" valueType="num">
+                                      <p:cBhvr>
+                                        <p:cTn id="10" dur="2" decel="50000" autoRev="1" fill="hold">
+                                          <p:stCondLst>
+                                            <p:cond delay="135"/>
+                                          </p:stCondLst>
+                                        </p:cTn>
+                                        <p:tgtEl>
+                                          <p:spTgt spid="2"/>
+                                        </p:tgtEl>
+                                        <p:attrNameLst>
+                                          <p:attrName>ppt_y</p:attrName>
+                                        </p:attrNameLst>
+                                      </p:cBhvr>
+                                      <p:tavLst>
+                                        <p:tav tm="0">
+                                          <p:val>
+                                            <p:strVal val="#ppt_y-(0.354*#ppt_w-0.172*#ppt_h)"/>
+                                          </p:val>
+                                        </p:tav>
+                                        <p:tav tm="100000">
+                                          <p:val>
+                                            <p:strVal val="#ppt_y-(0.354*#ppt_w-0.172*#ppt_h)-#ppt_h/2"/>
+                                          </p:val>
+                                        </p:tav>
+                                      </p:tavLst>
+                                    </p:anim>
+                                    <p:anim calcmode="lin" valueType="num">
+                                      <p:cBhvr>
+                                        <p:cTn id="11" dur="1" fill="hold">
+                                          <p:stCondLst>
+                                            <p:cond delay="309"/>
+                                          </p:stCondLst>
+                                        </p:cTn>
+                                        <p:tgtEl>
+                                          <p:spTgt spid="2"/>
+                                        </p:tgtEl>
+                                        <p:attrNameLst>
+                                          <p:attrName>ppt_y</p:attrName>
+                                        </p:attrNameLst>
+                                      </p:cBhvr>
+                                      <p:tavLst>
+                                        <p:tav tm="0">
+                                          <p:val>
+                                            <p:strVal val="#ppt_y-(0.354*#ppt_w-0.172*#ppt_h)"/>
+                                          </p:val>
+                                        </p:tav>
+                                        <p:tav tm="100000">
+                                          <p:val>
+                                            <p:strVal val="#ppt_y"/>
+                                          </p:val>
+                                        </p:tav>
+                                      </p:tavLst>
+                                    </p:anim>
+                                  </p:childTnLst>
+                                </p:cTn>
+                              </p:par>
+                            </p:childTnLst>
+                          </p:cTn>
+                        </p:par>
+                      </p:childTnLst>
+                    </p:cTn>
+                  </p:par>
+                </p:childTnLst>
+              </p:cTn>
+              <p:prevCondLst>
+                <p:cond evt="onPrev" delay="0">
+                  <p:tgtEl>
+                    <p:sldTgt/>
+                  </p:tgtEl>
+                </p:cond>
+              </p:prevCondLst>
+              <p:nextCondLst>
+                <p:cond evt="onNext" delay="0">
+                  <p:tgtEl>
+                    <p:sldTgt/>
+                  </p:tgtEl>
+                </p:cond>
+              </p:nextCondLst>
+            </p:seq>
+          </p:childTnLst>
+        </p:cTn>
+      </p:par>
+    </p:tnLst>
+    <p:bldLst>
+      <p:bldP spid="2" grpId="0"/>
+    </p:bldLst>
+  </p:timing>
 </p:sld>
 </file>
 
@@ -6530,4 +10651,265 @@
     </a:ext>
   </a:extLst>
 </a:theme>
+</file>
+
+<file path=ppt/theme/theme2.xml><?xml version="1.0" encoding="utf-8"?>
+<a:theme xmlns:a="http://schemas.openxmlformats.org/drawingml/2006/main" name="Office Theme">
+  <a:themeElements>
+    <a:clrScheme name="Office">
+      <a:dk1>
+        <a:sysClr val="windowText" lastClr="000000"/>
+      </a:dk1>
+      <a:lt1>
+        <a:sysClr val="window" lastClr="FFFFFF"/>
+      </a:lt1>
+      <a:dk2>
+        <a:srgbClr val="44546A"/>
+      </a:dk2>
+      <a:lt2>
+        <a:srgbClr val="E7E6E6"/>
+      </a:lt2>
+      <a:accent1>
+        <a:srgbClr val="5B9BD5"/>
+      </a:accent1>
+      <a:accent2>
+        <a:srgbClr val="ED7D31"/>
+      </a:accent2>
+      <a:accent3>
+        <a:srgbClr val="A5A5A5"/>
+      </a:accent3>
+      <a:accent4>
+        <a:srgbClr val="FFC000"/>
+      </a:accent4>
+      <a:accent5>
+        <a:srgbClr val="4472C4"/>
+      </a:accent5>
+      <a:accent6>
+        <a:srgbClr val="70AD47"/>
+      </a:accent6>
+      <a:hlink>
+        <a:srgbClr val="0563C1"/>
+      </a:hlink>
+      <a:folHlink>
+        <a:srgbClr val="954F72"/>
+      </a:folHlink>
+    </a:clrScheme>
+    <a:fontScheme name="Office">
+      <a:majorFont>
+        <a:latin typeface="Calibri Light" panose="020F0302020204030204"/>
+        <a:ea typeface=""/>
+        <a:cs typeface=""/>
+        <a:font script="Jpan" typeface="ＭＳ Ｐゴシック"/>
+        <a:font script="Hang" typeface="맑은 고딕"/>
+        <a:font script="Hans" typeface="宋体"/>
+        <a:font script="Hant" typeface="新細明體"/>
+        <a:font script="Arab" typeface="Times New Roman"/>
+        <a:font script="Hebr" typeface="Times New Roman"/>
+        <a:font script="Thai" typeface="Angsana New"/>
+        <a:font script="Ethi" typeface="Nyala"/>
+        <a:font script="Beng" typeface="Vrinda"/>
+        <a:font script="Gujr" typeface="Shruti"/>
+        <a:font script="Khmr" typeface="MoolBoran"/>
+        <a:font script="Knda" typeface="Tunga"/>
+        <a:font script="Guru" typeface="Raavi"/>
+        <a:font script="Cans" typeface="Euphemia"/>
+        <a:font script="Cher" typeface="Plantagenet Cherokee"/>
+        <a:font script="Yiii" typeface="Microsoft Yi Baiti"/>
+        <a:font script="Tibt" typeface="Microsoft Himalaya"/>
+        <a:font script="Thaa" typeface="MV Boli"/>
+        <a:font script="Deva" typeface="Mangal"/>
+        <a:font script="Telu" typeface="Gautami"/>
+        <a:font script="Taml" typeface="Latha"/>
+        <a:font script="Syrc" typeface="Estrangelo Edessa"/>
+        <a:font script="Orya" typeface="Kalinga"/>
+        <a:font script="Mlym" typeface="Kartika"/>
+        <a:font script="Laoo" typeface="DokChampa"/>
+        <a:font script="Sinh" typeface="Iskoola Pota"/>
+        <a:font script="Mong" typeface="Mongolian Baiti"/>
+        <a:font script="Viet" typeface="Times New Roman"/>
+        <a:font script="Uigh" typeface="Microsoft Uighur"/>
+        <a:font script="Geor" typeface="Sylfaen"/>
+      </a:majorFont>
+      <a:minorFont>
+        <a:latin typeface="Calibri" panose="020F0502020204030204"/>
+        <a:ea typeface=""/>
+        <a:cs typeface=""/>
+        <a:font script="Jpan" typeface="ＭＳ Ｐゴシック"/>
+        <a:font script="Hang" typeface="맑은 고딕"/>
+        <a:font script="Hans" typeface="宋体"/>
+        <a:font script="Hant" typeface="新細明體"/>
+        <a:font script="Arab" typeface="Arial"/>
+        <a:font script="Hebr" typeface="Arial"/>
+        <a:font script="Thai" typeface="Cordia New"/>
+        <a:font script="Ethi" typeface="Nyala"/>
+        <a:font script="Beng" typeface="Vrinda"/>
+        <a:font script="Gujr" typeface="Shruti"/>
+        <a:font script="Khmr" typeface="DaunPenh"/>
+        <a:font script="Knda" typeface="Tunga"/>
+        <a:font script="Guru" typeface="Raavi"/>
+        <a:font script="Cans" typeface="Euphemia"/>
+        <a:font script="Cher" typeface="Plantagenet Cherokee"/>
+        <a:font script="Yiii" typeface="Microsoft Yi Baiti"/>
+        <a:font script="Tibt" typeface="Microsoft Himalaya"/>
+        <a:font script="Thaa" typeface="MV Boli"/>
+        <a:font script="Deva" typeface="Mangal"/>
+        <a:font script="Telu" typeface="Gautami"/>
+        <a:font script="Taml" typeface="Latha"/>
+        <a:font script="Syrc" typeface="Estrangelo Edessa"/>
+        <a:font script="Orya" typeface="Kalinga"/>
+        <a:font script="Mlym" typeface="Kartika"/>
+        <a:font script="Laoo" typeface="DokChampa"/>
+        <a:font script="Sinh" typeface="Iskoola Pota"/>
+        <a:font script="Mong" typeface="Mongolian Baiti"/>
+        <a:font script="Viet" typeface="Arial"/>
+        <a:font script="Uigh" typeface="Microsoft Uighur"/>
+        <a:font script="Geor" typeface="Sylfaen"/>
+      </a:minorFont>
+    </a:fontScheme>
+    <a:fmtScheme name="Office">
+      <a:fillStyleLst>
+        <a:solidFill>
+          <a:schemeClr val="phClr"/>
+        </a:solidFill>
+        <a:gradFill rotWithShape="1">
+          <a:gsLst>
+            <a:gs pos="0">
+              <a:schemeClr val="phClr">
+                <a:lumMod val="110000"/>
+                <a:satMod val="105000"/>
+                <a:tint val="67000"/>
+              </a:schemeClr>
+            </a:gs>
+            <a:gs pos="50000">
+              <a:schemeClr val="phClr">
+                <a:lumMod val="105000"/>
+                <a:satMod val="103000"/>
+                <a:tint val="73000"/>
+              </a:schemeClr>
+            </a:gs>
+            <a:gs pos="100000">
+              <a:schemeClr val="phClr">
+                <a:lumMod val="105000"/>
+                <a:satMod val="109000"/>
+                <a:tint val="81000"/>
+              </a:schemeClr>
+            </a:gs>
+          </a:gsLst>
+          <a:lin ang="5400000" scaled="0"/>
+        </a:gradFill>
+        <a:gradFill rotWithShape="1">
+          <a:gsLst>
+            <a:gs pos="0">
+              <a:schemeClr val="phClr">
+                <a:satMod val="103000"/>
+                <a:lumMod val="102000"/>
+                <a:tint val="94000"/>
+              </a:schemeClr>
+            </a:gs>
+            <a:gs pos="50000">
+              <a:schemeClr val="phClr">
+                <a:satMod val="110000"/>
+                <a:lumMod val="100000"/>
+                <a:shade val="100000"/>
+              </a:schemeClr>
+            </a:gs>
+            <a:gs pos="100000">
+              <a:schemeClr val="phClr">
+                <a:lumMod val="99000"/>
+                <a:satMod val="120000"/>
+                <a:shade val="78000"/>
+              </a:schemeClr>
+            </a:gs>
+          </a:gsLst>
+          <a:lin ang="5400000" scaled="0"/>
+        </a:gradFill>
+      </a:fillStyleLst>
+      <a:lnStyleLst>
+        <a:ln w="6350" cap="flat" cmpd="sng" algn="ctr">
+          <a:solidFill>
+            <a:schemeClr val="phClr"/>
+          </a:solidFill>
+          <a:prstDash val="solid"/>
+          <a:miter lim="800000"/>
+        </a:ln>
+        <a:ln w="12700" cap="flat" cmpd="sng" algn="ctr">
+          <a:solidFill>
+            <a:schemeClr val="phClr"/>
+          </a:solidFill>
+          <a:prstDash val="solid"/>
+          <a:miter lim="800000"/>
+        </a:ln>
+        <a:ln w="19050" cap="flat" cmpd="sng" algn="ctr">
+          <a:solidFill>
+            <a:schemeClr val="phClr"/>
+          </a:solidFill>
+          <a:prstDash val="solid"/>
+          <a:miter lim="800000"/>
+        </a:ln>
+      </a:lnStyleLst>
+      <a:effectStyleLst>
+        <a:effectStyle>
+          <a:effectLst/>
+        </a:effectStyle>
+        <a:effectStyle>
+          <a:effectLst/>
+        </a:effectStyle>
+        <a:effectStyle>
+          <a:effectLst>
+            <a:outerShdw blurRad="57150" dist="19050" dir="5400000" algn="ctr" rotWithShape="0">
+              <a:srgbClr val="000000">
+                <a:alpha val="63000"/>
+              </a:srgbClr>
+            </a:outerShdw>
+          </a:effectLst>
+        </a:effectStyle>
+      </a:effectStyleLst>
+      <a:bgFillStyleLst>
+        <a:solidFill>
+          <a:schemeClr val="phClr"/>
+        </a:solidFill>
+        <a:solidFill>
+          <a:schemeClr val="phClr">
+            <a:tint val="95000"/>
+            <a:satMod val="170000"/>
+          </a:schemeClr>
+        </a:solidFill>
+        <a:gradFill rotWithShape="1">
+          <a:gsLst>
+            <a:gs pos="0">
+              <a:schemeClr val="phClr">
+                <a:tint val="93000"/>
+                <a:satMod val="150000"/>
+                <a:shade val="98000"/>
+                <a:lumMod val="102000"/>
+              </a:schemeClr>
+            </a:gs>
+            <a:gs pos="50000">
+              <a:schemeClr val="phClr">
+                <a:tint val="98000"/>
+                <a:satMod val="130000"/>
+                <a:shade val="90000"/>
+                <a:lumMod val="103000"/>
+              </a:schemeClr>
+            </a:gs>
+            <a:gs pos="100000">
+              <a:schemeClr val="phClr">
+                <a:shade val="63000"/>
+                <a:satMod val="120000"/>
+              </a:schemeClr>
+            </a:gs>
+          </a:gsLst>
+          <a:lin ang="5400000" scaled="0"/>
+        </a:gradFill>
+      </a:bgFillStyleLst>
+    </a:fmtScheme>
+  </a:themeElements>
+  <a:objectDefaults/>
+  <a:extraClrSchemeLst/>
+  <a:extLst>
+    <a:ext uri="{05A4C25C-085E-4340-85A3-A5531E510DB2}">
+      <thm15:themeFamily xmlns:thm15="http://schemas.microsoft.com/office/thememl/2012/main" name="Office Theme" id="{62F939B6-93AF-4DB8-9C6B-D6C7DFDC589F}" vid="{4A3C46E8-61CC-4603-A589-7422A47A8E4A}"/>
+    </a:ext>
+  </a:extLst>
+</a:theme>
 </file>